--- a/Docs/CartesRetard.pptx
+++ b/Docs/CartesRetard.pptx
@@ -5,13 +5,13 @@
     <p:sldMasterId id="2147483648" r:id="rId1"/>
   </p:sldMasterIdLst>
   <p:handoutMasterIdLst>
-    <p:handoutMasterId r:id="rId14"/>
+    <p:handoutMasterId r:id="rId20"/>
   </p:handoutMasterIdLst>
   <p:sldIdLst>
     <p:sldId id="300" r:id="rId2"/>
-    <p:sldId id="299" r:id="rId3"/>
-    <p:sldId id="283" r:id="rId4"/>
-    <p:sldId id="279" r:id="rId5"/>
+    <p:sldId id="305" r:id="rId3"/>
+    <p:sldId id="306" r:id="rId4"/>
+    <p:sldId id="307" r:id="rId5"/>
     <p:sldId id="259" r:id="rId6"/>
     <p:sldId id="266" r:id="rId7"/>
     <p:sldId id="302" r:id="rId8"/>
@@ -20,9 +20,15 @@
     <p:sldId id="301" r:id="rId11"/>
     <p:sldId id="303" r:id="rId12"/>
     <p:sldId id="304" r:id="rId13"/>
+    <p:sldId id="308" r:id="rId14"/>
+    <p:sldId id="309" r:id="rId15"/>
+    <p:sldId id="310" r:id="rId16"/>
+    <p:sldId id="311" r:id="rId17"/>
+    <p:sldId id="312" r:id="rId18"/>
+    <p:sldId id="313" r:id="rId19"/>
   </p:sldIdLst>
   <p:sldSz cx="9144000" cy="6858000" type="screen4x3"/>
-  <p:notesSz cx="6858000" cy="9144000"/>
+  <p:notesSz cx="9926638" cy="6797675"/>
   <p:defaultTextStyle>
     <a:defPPr>
       <a:defRPr lang="fr-FR"/>
@@ -155,8 +161,8 @@
         </p:nvSpPr>
         <p:spPr>
           <a:xfrm>
-            <a:off x="0" y="0"/>
-            <a:ext cx="2971800" cy="457200"/>
+            <a:off x="1" y="0"/>
+            <a:ext cx="4301543" cy="339884"/>
           </a:xfrm>
           <a:prstGeom prst="rect">
             <a:avLst/>
@@ -186,8 +192,8 @@
         </p:nvSpPr>
         <p:spPr>
           <a:xfrm>
-            <a:off x="3884613" y="0"/>
-            <a:ext cx="2971800" cy="457200"/>
+            <a:off x="5622799" y="0"/>
+            <a:ext cx="4301543" cy="339884"/>
           </a:xfrm>
           <a:prstGeom prst="rect">
             <a:avLst/>
@@ -203,7 +209,7 @@
           <a:p>
             <a:fld id="{8F6BF74C-C825-46E6-A94A-4DDCA47B6E5E}" type="datetimeFigureOut">
               <a:rPr lang="fr-FR" smtClean="0"/>
-              <a:t>03/08/2015</a:t>
+              <a:t>12/08/2015</a:t>
             </a:fld>
             <a:endParaRPr lang="fr-FR"/>
           </a:p>
@@ -221,8 +227,8 @@
         </p:nvSpPr>
         <p:spPr>
           <a:xfrm>
-            <a:off x="0" y="8685213"/>
-            <a:ext cx="2971800" cy="457200"/>
+            <a:off x="1" y="6456611"/>
+            <a:ext cx="4301543" cy="339884"/>
           </a:xfrm>
           <a:prstGeom prst="rect">
             <a:avLst/>
@@ -252,8 +258,8 @@
         </p:nvSpPr>
         <p:spPr>
           <a:xfrm>
-            <a:off x="3884613" y="8685213"/>
-            <a:ext cx="2971800" cy="457200"/>
+            <a:off x="5622799" y="6456611"/>
+            <a:ext cx="4301543" cy="339884"/>
           </a:xfrm>
           <a:prstGeom prst="rect">
             <a:avLst/>
@@ -467,7 +473,7 @@
           <a:p>
             <a:fld id="{AA309A6D-C09C-4548-B29A-6CF363A7E532}" type="datetimeFigureOut">
               <a:rPr lang="fr-FR" smtClean="0"/>
-              <a:t>03/08/2015</a:t>
+              <a:t>12/08/2015</a:t>
             </a:fld>
             <a:endParaRPr lang="fr-BE"/>
           </a:p>
@@ -632,7 +638,7 @@
           <a:p>
             <a:fld id="{AA309A6D-C09C-4548-B29A-6CF363A7E532}" type="datetimeFigureOut">
               <a:rPr lang="fr-FR" smtClean="0"/>
-              <a:t>03/08/2015</a:t>
+              <a:t>12/08/2015</a:t>
             </a:fld>
             <a:endParaRPr lang="fr-BE"/>
           </a:p>
@@ -807,7 +813,7 @@
           <a:p>
             <a:fld id="{AA309A6D-C09C-4548-B29A-6CF363A7E532}" type="datetimeFigureOut">
               <a:rPr lang="fr-FR" smtClean="0"/>
-              <a:t>03/08/2015</a:t>
+              <a:t>12/08/2015</a:t>
             </a:fld>
             <a:endParaRPr lang="fr-BE"/>
           </a:p>
@@ -972,7 +978,7 @@
           <a:p>
             <a:fld id="{AA309A6D-C09C-4548-B29A-6CF363A7E532}" type="datetimeFigureOut">
               <a:rPr lang="fr-FR" smtClean="0"/>
-              <a:t>03/08/2015</a:t>
+              <a:t>12/08/2015</a:t>
             </a:fld>
             <a:endParaRPr lang="fr-BE"/>
           </a:p>
@@ -1213,7 +1219,7 @@
           <a:p>
             <a:fld id="{AA309A6D-C09C-4548-B29A-6CF363A7E532}" type="datetimeFigureOut">
               <a:rPr lang="fr-FR" smtClean="0"/>
-              <a:t>03/08/2015</a:t>
+              <a:t>12/08/2015</a:t>
             </a:fld>
             <a:endParaRPr lang="fr-BE"/>
           </a:p>
@@ -1496,7 +1502,7 @@
           <a:p>
             <a:fld id="{AA309A6D-C09C-4548-B29A-6CF363A7E532}" type="datetimeFigureOut">
               <a:rPr lang="fr-FR" smtClean="0"/>
-              <a:t>03/08/2015</a:t>
+              <a:t>12/08/2015</a:t>
             </a:fld>
             <a:endParaRPr lang="fr-BE"/>
           </a:p>
@@ -1913,7 +1919,7 @@
           <a:p>
             <a:fld id="{AA309A6D-C09C-4548-B29A-6CF363A7E532}" type="datetimeFigureOut">
               <a:rPr lang="fr-FR" smtClean="0"/>
-              <a:t>03/08/2015</a:t>
+              <a:t>12/08/2015</a:t>
             </a:fld>
             <a:endParaRPr lang="fr-BE"/>
           </a:p>
@@ -2026,7 +2032,7 @@
           <a:p>
             <a:fld id="{AA309A6D-C09C-4548-B29A-6CF363A7E532}" type="datetimeFigureOut">
               <a:rPr lang="fr-FR" smtClean="0"/>
-              <a:t>03/08/2015</a:t>
+              <a:t>12/08/2015</a:t>
             </a:fld>
             <a:endParaRPr lang="fr-BE"/>
           </a:p>
@@ -2116,7 +2122,7 @@
           <a:p>
             <a:fld id="{AA309A6D-C09C-4548-B29A-6CF363A7E532}" type="datetimeFigureOut">
               <a:rPr lang="fr-FR" smtClean="0"/>
-              <a:t>03/08/2015</a:t>
+              <a:t>12/08/2015</a:t>
             </a:fld>
             <a:endParaRPr lang="fr-BE"/>
           </a:p>
@@ -2388,7 +2394,7 @@
           <a:p>
             <a:fld id="{AA309A6D-C09C-4548-B29A-6CF363A7E532}" type="datetimeFigureOut">
               <a:rPr lang="fr-FR" smtClean="0"/>
-              <a:t>03/08/2015</a:t>
+              <a:t>12/08/2015</a:t>
             </a:fld>
             <a:endParaRPr lang="fr-BE"/>
           </a:p>
@@ -2636,7 +2642,7 @@
           <a:p>
             <a:fld id="{AA309A6D-C09C-4548-B29A-6CF363A7E532}" type="datetimeFigureOut">
               <a:rPr lang="fr-FR" smtClean="0"/>
-              <a:t>03/08/2015</a:t>
+              <a:t>12/08/2015</a:t>
             </a:fld>
             <a:endParaRPr lang="fr-BE"/>
           </a:p>
@@ -2844,7 +2850,7 @@
           <a:p>
             <a:fld id="{AA309A6D-C09C-4548-B29A-6CF363A7E532}" type="datetimeFigureOut">
               <a:rPr lang="fr-FR" smtClean="0"/>
-              <a:t>03/08/2015</a:t>
+              <a:t>12/08/2015</a:t>
             </a:fld>
             <a:endParaRPr lang="fr-BE"/>
           </a:p>
@@ -3328,11 +3334,6 @@
               </a:rPr>
               <a:t>Alysson maritime</a:t>
             </a:r>
-            <a:endParaRPr lang="fr-FR" sz="8000" dirty="0">
-              <a:solidFill>
-                <a:schemeClr val="tx1"/>
-              </a:solidFill>
-            </a:endParaRPr>
           </a:p>
         </p:txBody>
       </p:sp>
@@ -3427,8 +3428,13 @@
             </a:r>
             <a:r>
               <a:rPr lang="fr-FR" dirty="0"/>
-              <a:t> 1</a:t>
-            </a:r>
+              <a:t> </a:t>
+            </a:r>
+            <a:r>
+              <a:rPr lang="fr-FR" dirty="0" smtClean="0"/>
+              <a:t>2</a:t>
+            </a:r>
+            <a:endParaRPr lang="fr-FR" dirty="0"/>
           </a:p>
         </p:txBody>
       </p:sp>
@@ -3772,15 +3778,7 @@
           <a:p>
             <a:r>
               <a:rPr lang="fr-FR" sz="5400" dirty="0" smtClean="0"/>
-              <a:t>Piocher </a:t>
-            </a:r>
-            <a:r>
-              <a:rPr lang="fr-FR" sz="5400" dirty="0" smtClean="0"/>
-              <a:t>4 </a:t>
-            </a:r>
-            <a:r>
-              <a:rPr lang="fr-FR" sz="5400" dirty="0" smtClean="0"/>
-              <a:t>cartes</a:t>
+              <a:t>Piocher 4 cartes</a:t>
             </a:r>
             <a:endParaRPr lang="fr-FR" sz="5400" dirty="0"/>
           </a:p>
@@ -4080,15 +4078,7 @@
           <a:p>
             <a:r>
               <a:rPr lang="fr-FR" sz="5400" dirty="0" smtClean="0"/>
-              <a:t>Piocher </a:t>
-            </a:r>
-            <a:r>
-              <a:rPr lang="fr-FR" sz="5400" dirty="0" smtClean="0"/>
-              <a:t>4 </a:t>
-            </a:r>
-            <a:r>
-              <a:rPr lang="fr-FR" sz="5400" dirty="0" smtClean="0"/>
-              <a:t>cartes</a:t>
+              <a:t>Piocher 4 cartes</a:t>
             </a:r>
             <a:endParaRPr lang="fr-FR" sz="5400" dirty="0"/>
           </a:p>
@@ -4388,15 +4378,7 @@
           <a:p>
             <a:r>
               <a:rPr lang="fr-FR" sz="5400" dirty="0" smtClean="0"/>
-              <a:t>Piocher </a:t>
-            </a:r>
-            <a:r>
-              <a:rPr lang="fr-FR" sz="5400" dirty="0" smtClean="0"/>
-              <a:t>4 </a:t>
-            </a:r>
-            <a:r>
-              <a:rPr lang="fr-FR" sz="5400" dirty="0" smtClean="0"/>
-              <a:t>cartes</a:t>
+              <a:t>Piocher 4 cartes</a:t>
             </a:r>
             <a:endParaRPr lang="fr-FR" sz="5400" dirty="0"/>
           </a:p>
@@ -4406,6 +4388,1833 @@
     <p:extLst>
       <p:ext uri="{BB962C8B-B14F-4D97-AF65-F5344CB8AC3E}">
         <p14:creationId xmlns:p14="http://schemas.microsoft.com/office/powerpoint/2010/main" val="4053489624"/>
+      </p:ext>
+    </p:extLst>
+  </p:cSld>
+  <p:clrMapOvr>
+    <a:masterClrMapping/>
+  </p:clrMapOvr>
+  <p:timing>
+    <p:tnLst>
+      <p:par>
+        <p:cTn id="1" dur="indefinite" restart="never" nodeType="tmRoot"/>
+      </p:par>
+    </p:tnLst>
+  </p:timing>
+</p:sld>
+</file>
+
+<file path=ppt/slides/slide13.xml><?xml version="1.0" encoding="utf-8"?>
+<p:sld xmlns:a="http://schemas.openxmlformats.org/drawingml/2006/main" xmlns:r="http://schemas.openxmlformats.org/officeDocument/2006/relationships" xmlns:p="http://schemas.openxmlformats.org/presentationml/2006/main">
+  <p:cSld>
+    <p:spTree>
+      <p:nvGrpSpPr>
+        <p:cNvPr id="1" name=""/>
+        <p:cNvGrpSpPr/>
+        <p:nvPr/>
+      </p:nvGrpSpPr>
+      <p:grpSpPr>
+        <a:xfrm>
+          <a:off x="0" y="0"/>
+          <a:ext cx="0" cy="0"/>
+          <a:chOff x="0" y="0"/>
+          <a:chExt cx="0" cy="0"/>
+        </a:xfrm>
+      </p:grpSpPr>
+      <p:sp>
+        <p:nvSpPr>
+          <p:cNvPr id="6" name="Rectangle 5"/>
+          <p:cNvSpPr/>
+          <p:nvPr/>
+        </p:nvSpPr>
+        <p:spPr>
+          <a:xfrm>
+            <a:off x="0" y="0"/>
+            <a:ext cx="9144000" cy="6858000"/>
+          </a:xfrm>
+          <a:prstGeom prst="rect">
+            <a:avLst/>
+          </a:prstGeom>
+          <a:solidFill>
+            <a:srgbClr val="FFC000">
+              <a:alpha val="0"/>
+            </a:srgbClr>
+          </a:solidFill>
+          <a:ln w="101600">
+            <a:solidFill>
+              <a:schemeClr val="tx1"/>
+            </a:solidFill>
+          </a:ln>
+        </p:spPr>
+        <p:style>
+          <a:lnRef idx="2">
+            <a:schemeClr val="accent1">
+              <a:shade val="50000"/>
+            </a:schemeClr>
+          </a:lnRef>
+          <a:fillRef idx="1">
+            <a:schemeClr val="accent1"/>
+          </a:fillRef>
+          <a:effectRef idx="0">
+            <a:schemeClr val="accent1"/>
+          </a:effectRef>
+          <a:fontRef idx="minor">
+            <a:schemeClr val="lt1"/>
+          </a:fontRef>
+        </p:style>
+        <p:txBody>
+          <a:bodyPr rtlCol="0" anchor="ctr"/>
+          <a:lstStyle/>
+          <a:p>
+            <a:pPr algn="ctr"/>
+            <a:endParaRPr lang="fr-FR">
+              <a:solidFill>
+                <a:srgbClr val="FFC000"/>
+              </a:solidFill>
+            </a:endParaRPr>
+          </a:p>
+        </p:txBody>
+      </p:sp>
+      <p:sp>
+        <p:nvSpPr>
+          <p:cNvPr id="2" name="Titre 1"/>
+          <p:cNvSpPr>
+            <a:spLocks noGrp="1"/>
+          </p:cNvSpPr>
+          <p:nvPr>
+            <p:ph type="ctrTitle"/>
+          </p:nvPr>
+        </p:nvSpPr>
+        <p:spPr>
+          <a:xfrm>
+            <a:off x="323528" y="332656"/>
+            <a:ext cx="2304256" cy="936104"/>
+          </a:xfrm>
+        </p:spPr>
+        <p:txBody>
+          <a:bodyPr>
+            <a:noAutofit/>
+          </a:bodyPr>
+          <a:lstStyle/>
+          <a:p>
+            <a:r>
+              <a:rPr lang="fr-FR" sz="6000" dirty="0" smtClean="0"/>
+              <a:t>SPE</a:t>
+            </a:r>
+            <a:endParaRPr lang="fr-FR" sz="7200" dirty="0"/>
+          </a:p>
+        </p:txBody>
+      </p:sp>
+      <p:sp>
+        <p:nvSpPr>
+          <p:cNvPr id="3" name="Sous-titre 2"/>
+          <p:cNvSpPr>
+            <a:spLocks noGrp="1"/>
+          </p:cNvSpPr>
+          <p:nvPr>
+            <p:ph type="subTitle" idx="1"/>
+          </p:nvPr>
+        </p:nvSpPr>
+        <p:spPr>
+          <a:xfrm>
+            <a:off x="1907704" y="2744924"/>
+            <a:ext cx="4856584" cy="1368152"/>
+          </a:xfrm>
+        </p:spPr>
+        <p:txBody>
+          <a:bodyPr>
+            <a:normAutofit fontScale="85000" lnSpcReduction="10000"/>
+          </a:bodyPr>
+          <a:lstStyle/>
+          <a:p>
+            <a:r>
+              <a:rPr lang="fr-FR" sz="6000" dirty="0">
+                <a:solidFill>
+                  <a:schemeClr val="tx1"/>
+                </a:solidFill>
+              </a:rPr>
+              <a:t>Laiteron glauque</a:t>
+            </a:r>
+            <a:endParaRPr lang="fr-FR" sz="8000" dirty="0">
+              <a:solidFill>
+                <a:schemeClr val="tx1"/>
+              </a:solidFill>
+            </a:endParaRPr>
+          </a:p>
+        </p:txBody>
+      </p:sp>
+      <p:sp>
+        <p:nvSpPr>
+          <p:cNvPr id="4" name="Titre 1"/>
+          <p:cNvSpPr txBox="1">
+            <a:spLocks/>
+          </p:cNvSpPr>
+          <p:nvPr/>
+        </p:nvSpPr>
+        <p:spPr>
+          <a:xfrm>
+            <a:off x="7452320" y="260648"/>
+            <a:ext cx="1368152" cy="648072"/>
+          </a:xfrm>
+          <a:prstGeom prst="rect">
+            <a:avLst/>
+          </a:prstGeom>
+        </p:spPr>
+        <p:txBody>
+          <a:bodyPr vert="horz" lIns="91440" tIns="45720" rIns="91440" bIns="45720" rtlCol="0" anchor="ctr">
+            <a:noAutofit/>
+          </a:bodyPr>
+          <a:lstStyle>
+            <a:lvl1pPr algn="ctr">
+              <a:spcBef>
+                <a:spcPct val="0"/>
+              </a:spcBef>
+              <a:buNone/>
+              <a:defRPr sz="7200">
+                <a:latin typeface="+mj-lt"/>
+                <a:ea typeface="+mj-ea"/>
+                <a:cs typeface="+mj-cs"/>
+              </a:defRPr>
+            </a:lvl1pPr>
+          </a:lstStyle>
+          <a:p>
+            <a:r>
+              <a:rPr lang="fr-FR" dirty="0" smtClean="0"/>
+              <a:t>-</a:t>
+            </a:r>
+            <a:endParaRPr lang="fr-FR" dirty="0"/>
+          </a:p>
+        </p:txBody>
+      </p:sp>
+      <p:sp>
+        <p:nvSpPr>
+          <p:cNvPr id="5" name="Titre 1"/>
+          <p:cNvSpPr txBox="1">
+            <a:spLocks/>
+          </p:cNvSpPr>
+          <p:nvPr/>
+        </p:nvSpPr>
+        <p:spPr>
+          <a:xfrm>
+            <a:off x="467544" y="5805264"/>
+            <a:ext cx="2103218" cy="648072"/>
+          </a:xfrm>
+          <a:prstGeom prst="rect">
+            <a:avLst/>
+          </a:prstGeom>
+        </p:spPr>
+        <p:txBody>
+          <a:bodyPr vert="horz" lIns="91440" tIns="45720" rIns="91440" bIns="45720" rtlCol="0" anchor="ctr">
+            <a:noAutofit/>
+          </a:bodyPr>
+          <a:lstStyle>
+            <a:defPPr>
+              <a:defRPr lang="fr-FR"/>
+            </a:defPPr>
+            <a:lvl1pPr algn="ctr">
+              <a:spcBef>
+                <a:spcPct val="0"/>
+              </a:spcBef>
+              <a:buNone/>
+              <a:defRPr sz="7200">
+                <a:latin typeface="+mj-lt"/>
+                <a:ea typeface="+mj-ea"/>
+                <a:cs typeface="+mj-cs"/>
+              </a:defRPr>
+            </a:lvl1pPr>
+          </a:lstStyle>
+          <a:p>
+            <a:r>
+              <a:rPr lang="fr-FR" dirty="0" err="1"/>
+              <a:t>Niv</a:t>
+            </a:r>
+            <a:r>
+              <a:rPr lang="fr-FR" dirty="0"/>
+              <a:t> </a:t>
+            </a:r>
+            <a:r>
+              <a:rPr lang="fr-FR" dirty="0" smtClean="0"/>
+              <a:t>4</a:t>
+            </a:r>
+            <a:endParaRPr lang="fr-FR" dirty="0"/>
+          </a:p>
+        </p:txBody>
+      </p:sp>
+      <p:sp>
+        <p:nvSpPr>
+          <p:cNvPr id="7" name="Titre 1"/>
+          <p:cNvSpPr txBox="1">
+            <a:spLocks/>
+          </p:cNvSpPr>
+          <p:nvPr/>
+        </p:nvSpPr>
+        <p:spPr>
+          <a:xfrm>
+            <a:off x="4788024" y="4725144"/>
+            <a:ext cx="4248472" cy="1800200"/>
+          </a:xfrm>
+          <a:prstGeom prst="rect">
+            <a:avLst/>
+          </a:prstGeom>
+        </p:spPr>
+        <p:txBody>
+          <a:bodyPr vert="horz" lIns="91440" tIns="45720" rIns="91440" bIns="45720" rtlCol="0" anchor="ctr">
+            <a:noAutofit/>
+          </a:bodyPr>
+          <a:lstStyle>
+            <a:defPPr>
+              <a:defRPr lang="fr-FR"/>
+            </a:defPPr>
+            <a:lvl1pPr algn="ctr">
+              <a:spcBef>
+                <a:spcPct val="0"/>
+              </a:spcBef>
+              <a:buNone/>
+              <a:defRPr sz="7200">
+                <a:latin typeface="+mj-lt"/>
+                <a:ea typeface="+mj-ea"/>
+                <a:cs typeface="+mj-cs"/>
+              </a:defRPr>
+            </a:lvl1pPr>
+          </a:lstStyle>
+          <a:p>
+            <a:r>
+              <a:rPr lang="fr-FR" sz="5400" dirty="0" smtClean="0"/>
+              <a:t>Renvoie les dégâts reçus</a:t>
+            </a:r>
+            <a:endParaRPr lang="fr-FR" sz="5400" dirty="0"/>
+          </a:p>
+        </p:txBody>
+      </p:sp>
+    </p:spTree>
+    <p:extLst>
+      <p:ext uri="{BB962C8B-B14F-4D97-AF65-F5344CB8AC3E}">
+        <p14:creationId xmlns:p14="http://schemas.microsoft.com/office/powerpoint/2010/main" val="217084052"/>
+      </p:ext>
+    </p:extLst>
+  </p:cSld>
+  <p:clrMapOvr>
+    <a:masterClrMapping/>
+  </p:clrMapOvr>
+  <p:timing>
+    <p:tnLst>
+      <p:par>
+        <p:cTn id="1" dur="indefinite" restart="never" nodeType="tmRoot"/>
+      </p:par>
+    </p:tnLst>
+  </p:timing>
+</p:sld>
+</file>
+
+<file path=ppt/slides/slide14.xml><?xml version="1.0" encoding="utf-8"?>
+<p:sld xmlns:a="http://schemas.openxmlformats.org/drawingml/2006/main" xmlns:r="http://schemas.openxmlformats.org/officeDocument/2006/relationships" xmlns:p="http://schemas.openxmlformats.org/presentationml/2006/main">
+  <p:cSld>
+    <p:spTree>
+      <p:nvGrpSpPr>
+        <p:cNvPr id="1" name=""/>
+        <p:cNvGrpSpPr/>
+        <p:nvPr/>
+      </p:nvGrpSpPr>
+      <p:grpSpPr>
+        <a:xfrm>
+          <a:off x="0" y="0"/>
+          <a:ext cx="0" cy="0"/>
+          <a:chOff x="0" y="0"/>
+          <a:chExt cx="0" cy="0"/>
+        </a:xfrm>
+      </p:grpSpPr>
+      <p:sp>
+        <p:nvSpPr>
+          <p:cNvPr id="6" name="Rectangle 5"/>
+          <p:cNvSpPr/>
+          <p:nvPr/>
+        </p:nvSpPr>
+        <p:spPr>
+          <a:xfrm>
+            <a:off x="0" y="0"/>
+            <a:ext cx="9144000" cy="6858000"/>
+          </a:xfrm>
+          <a:prstGeom prst="rect">
+            <a:avLst/>
+          </a:prstGeom>
+          <a:solidFill>
+            <a:srgbClr val="FFC000">
+              <a:alpha val="0"/>
+            </a:srgbClr>
+          </a:solidFill>
+          <a:ln w="101600">
+            <a:solidFill>
+              <a:schemeClr val="tx1"/>
+            </a:solidFill>
+          </a:ln>
+        </p:spPr>
+        <p:style>
+          <a:lnRef idx="2">
+            <a:schemeClr val="accent1">
+              <a:shade val="50000"/>
+            </a:schemeClr>
+          </a:lnRef>
+          <a:fillRef idx="1">
+            <a:schemeClr val="accent1"/>
+          </a:fillRef>
+          <a:effectRef idx="0">
+            <a:schemeClr val="accent1"/>
+          </a:effectRef>
+          <a:fontRef idx="minor">
+            <a:schemeClr val="lt1"/>
+          </a:fontRef>
+        </p:style>
+        <p:txBody>
+          <a:bodyPr rtlCol="0" anchor="ctr"/>
+          <a:lstStyle/>
+          <a:p>
+            <a:pPr algn="ctr"/>
+            <a:endParaRPr lang="fr-FR">
+              <a:solidFill>
+                <a:srgbClr val="FFC000"/>
+              </a:solidFill>
+            </a:endParaRPr>
+          </a:p>
+        </p:txBody>
+      </p:sp>
+      <p:sp>
+        <p:nvSpPr>
+          <p:cNvPr id="2" name="Titre 1"/>
+          <p:cNvSpPr>
+            <a:spLocks noGrp="1"/>
+          </p:cNvSpPr>
+          <p:nvPr>
+            <p:ph type="ctrTitle"/>
+          </p:nvPr>
+        </p:nvSpPr>
+        <p:spPr>
+          <a:xfrm>
+            <a:off x="323528" y="332656"/>
+            <a:ext cx="2304256" cy="936104"/>
+          </a:xfrm>
+        </p:spPr>
+        <p:txBody>
+          <a:bodyPr>
+            <a:noAutofit/>
+          </a:bodyPr>
+          <a:lstStyle/>
+          <a:p>
+            <a:r>
+              <a:rPr lang="fr-FR" sz="6000" dirty="0" smtClean="0"/>
+              <a:t>SPE</a:t>
+            </a:r>
+            <a:endParaRPr lang="fr-FR" sz="7200" dirty="0"/>
+          </a:p>
+        </p:txBody>
+      </p:sp>
+      <p:sp>
+        <p:nvSpPr>
+          <p:cNvPr id="3" name="Sous-titre 2"/>
+          <p:cNvSpPr>
+            <a:spLocks noGrp="1"/>
+          </p:cNvSpPr>
+          <p:nvPr>
+            <p:ph type="subTitle" idx="1"/>
+          </p:nvPr>
+        </p:nvSpPr>
+        <p:spPr>
+          <a:xfrm>
+            <a:off x="1907704" y="2744924"/>
+            <a:ext cx="4856584" cy="1368152"/>
+          </a:xfrm>
+        </p:spPr>
+        <p:txBody>
+          <a:bodyPr>
+            <a:normAutofit fontScale="85000" lnSpcReduction="10000"/>
+          </a:bodyPr>
+          <a:lstStyle/>
+          <a:p>
+            <a:r>
+              <a:rPr lang="fr-FR" sz="6000" dirty="0">
+                <a:solidFill>
+                  <a:schemeClr val="tx1"/>
+                </a:solidFill>
+              </a:rPr>
+              <a:t>Laiteron glauque</a:t>
+            </a:r>
+            <a:endParaRPr lang="fr-FR" sz="8000" dirty="0">
+              <a:solidFill>
+                <a:schemeClr val="tx1"/>
+              </a:solidFill>
+            </a:endParaRPr>
+          </a:p>
+        </p:txBody>
+      </p:sp>
+      <p:sp>
+        <p:nvSpPr>
+          <p:cNvPr id="4" name="Titre 1"/>
+          <p:cNvSpPr txBox="1">
+            <a:spLocks/>
+          </p:cNvSpPr>
+          <p:nvPr/>
+        </p:nvSpPr>
+        <p:spPr>
+          <a:xfrm>
+            <a:off x="7452320" y="260648"/>
+            <a:ext cx="1368152" cy="648072"/>
+          </a:xfrm>
+          <a:prstGeom prst="rect">
+            <a:avLst/>
+          </a:prstGeom>
+        </p:spPr>
+        <p:txBody>
+          <a:bodyPr vert="horz" lIns="91440" tIns="45720" rIns="91440" bIns="45720" rtlCol="0" anchor="ctr">
+            <a:noAutofit/>
+          </a:bodyPr>
+          <a:lstStyle>
+            <a:lvl1pPr algn="ctr">
+              <a:spcBef>
+                <a:spcPct val="0"/>
+              </a:spcBef>
+              <a:buNone/>
+              <a:defRPr sz="7200">
+                <a:latin typeface="+mj-lt"/>
+                <a:ea typeface="+mj-ea"/>
+                <a:cs typeface="+mj-cs"/>
+              </a:defRPr>
+            </a:lvl1pPr>
+          </a:lstStyle>
+          <a:p>
+            <a:r>
+              <a:rPr lang="fr-FR" dirty="0" smtClean="0"/>
+              <a:t>-</a:t>
+            </a:r>
+            <a:endParaRPr lang="fr-FR" dirty="0"/>
+          </a:p>
+        </p:txBody>
+      </p:sp>
+      <p:sp>
+        <p:nvSpPr>
+          <p:cNvPr id="5" name="Titre 1"/>
+          <p:cNvSpPr txBox="1">
+            <a:spLocks/>
+          </p:cNvSpPr>
+          <p:nvPr/>
+        </p:nvSpPr>
+        <p:spPr>
+          <a:xfrm>
+            <a:off x="467544" y="5805264"/>
+            <a:ext cx="2103218" cy="648072"/>
+          </a:xfrm>
+          <a:prstGeom prst="rect">
+            <a:avLst/>
+          </a:prstGeom>
+        </p:spPr>
+        <p:txBody>
+          <a:bodyPr vert="horz" lIns="91440" tIns="45720" rIns="91440" bIns="45720" rtlCol="0" anchor="ctr">
+            <a:noAutofit/>
+          </a:bodyPr>
+          <a:lstStyle>
+            <a:defPPr>
+              <a:defRPr lang="fr-FR"/>
+            </a:defPPr>
+            <a:lvl1pPr algn="ctr">
+              <a:spcBef>
+                <a:spcPct val="0"/>
+              </a:spcBef>
+              <a:buNone/>
+              <a:defRPr sz="7200">
+                <a:latin typeface="+mj-lt"/>
+                <a:ea typeface="+mj-ea"/>
+                <a:cs typeface="+mj-cs"/>
+              </a:defRPr>
+            </a:lvl1pPr>
+          </a:lstStyle>
+          <a:p>
+            <a:r>
+              <a:rPr lang="fr-FR" dirty="0" err="1"/>
+              <a:t>Niv</a:t>
+            </a:r>
+            <a:r>
+              <a:rPr lang="fr-FR" dirty="0"/>
+              <a:t> </a:t>
+            </a:r>
+            <a:r>
+              <a:rPr lang="fr-FR" dirty="0" smtClean="0"/>
+              <a:t>4</a:t>
+            </a:r>
+            <a:endParaRPr lang="fr-FR" dirty="0"/>
+          </a:p>
+        </p:txBody>
+      </p:sp>
+      <p:sp>
+        <p:nvSpPr>
+          <p:cNvPr id="7" name="Titre 1"/>
+          <p:cNvSpPr txBox="1">
+            <a:spLocks/>
+          </p:cNvSpPr>
+          <p:nvPr/>
+        </p:nvSpPr>
+        <p:spPr>
+          <a:xfrm>
+            <a:off x="4788024" y="4725144"/>
+            <a:ext cx="4248472" cy="1800200"/>
+          </a:xfrm>
+          <a:prstGeom prst="rect">
+            <a:avLst/>
+          </a:prstGeom>
+        </p:spPr>
+        <p:txBody>
+          <a:bodyPr vert="horz" lIns="91440" tIns="45720" rIns="91440" bIns="45720" rtlCol="0" anchor="ctr">
+            <a:noAutofit/>
+          </a:bodyPr>
+          <a:lstStyle>
+            <a:defPPr>
+              <a:defRPr lang="fr-FR"/>
+            </a:defPPr>
+            <a:lvl1pPr algn="ctr">
+              <a:spcBef>
+                <a:spcPct val="0"/>
+              </a:spcBef>
+              <a:buNone/>
+              <a:defRPr sz="7200">
+                <a:latin typeface="+mj-lt"/>
+                <a:ea typeface="+mj-ea"/>
+                <a:cs typeface="+mj-cs"/>
+              </a:defRPr>
+            </a:lvl1pPr>
+          </a:lstStyle>
+          <a:p>
+            <a:r>
+              <a:rPr lang="fr-FR" sz="5400" dirty="0" smtClean="0"/>
+              <a:t>Renvoie les dégâts reçus</a:t>
+            </a:r>
+            <a:endParaRPr lang="fr-FR" sz="5400" dirty="0"/>
+          </a:p>
+        </p:txBody>
+      </p:sp>
+    </p:spTree>
+    <p:extLst>
+      <p:ext uri="{BB962C8B-B14F-4D97-AF65-F5344CB8AC3E}">
+        <p14:creationId xmlns:p14="http://schemas.microsoft.com/office/powerpoint/2010/main" val="1160692899"/>
+      </p:ext>
+    </p:extLst>
+  </p:cSld>
+  <p:clrMapOvr>
+    <a:masterClrMapping/>
+  </p:clrMapOvr>
+  <p:timing>
+    <p:tnLst>
+      <p:par>
+        <p:cTn id="1" dur="indefinite" restart="never" nodeType="tmRoot"/>
+      </p:par>
+    </p:tnLst>
+  </p:timing>
+</p:sld>
+</file>
+
+<file path=ppt/slides/slide15.xml><?xml version="1.0" encoding="utf-8"?>
+<p:sld xmlns:a="http://schemas.openxmlformats.org/drawingml/2006/main" xmlns:r="http://schemas.openxmlformats.org/officeDocument/2006/relationships" xmlns:p="http://schemas.openxmlformats.org/presentationml/2006/main">
+  <p:cSld>
+    <p:spTree>
+      <p:nvGrpSpPr>
+        <p:cNvPr id="1" name=""/>
+        <p:cNvGrpSpPr/>
+        <p:nvPr/>
+      </p:nvGrpSpPr>
+      <p:grpSpPr>
+        <a:xfrm>
+          <a:off x="0" y="0"/>
+          <a:ext cx="0" cy="0"/>
+          <a:chOff x="0" y="0"/>
+          <a:chExt cx="0" cy="0"/>
+        </a:xfrm>
+      </p:grpSpPr>
+      <p:sp>
+        <p:nvSpPr>
+          <p:cNvPr id="6" name="Rectangle 5"/>
+          <p:cNvSpPr/>
+          <p:nvPr/>
+        </p:nvSpPr>
+        <p:spPr>
+          <a:xfrm>
+            <a:off x="0" y="0"/>
+            <a:ext cx="9144000" cy="6858000"/>
+          </a:xfrm>
+          <a:prstGeom prst="rect">
+            <a:avLst/>
+          </a:prstGeom>
+          <a:solidFill>
+            <a:srgbClr val="FFC000">
+              <a:alpha val="0"/>
+            </a:srgbClr>
+          </a:solidFill>
+          <a:ln w="101600">
+            <a:solidFill>
+              <a:schemeClr val="tx1"/>
+            </a:solidFill>
+          </a:ln>
+        </p:spPr>
+        <p:style>
+          <a:lnRef idx="2">
+            <a:schemeClr val="accent1">
+              <a:shade val="50000"/>
+            </a:schemeClr>
+          </a:lnRef>
+          <a:fillRef idx="1">
+            <a:schemeClr val="accent1"/>
+          </a:fillRef>
+          <a:effectRef idx="0">
+            <a:schemeClr val="accent1"/>
+          </a:effectRef>
+          <a:fontRef idx="minor">
+            <a:schemeClr val="lt1"/>
+          </a:fontRef>
+        </p:style>
+        <p:txBody>
+          <a:bodyPr rtlCol="0" anchor="ctr"/>
+          <a:lstStyle/>
+          <a:p>
+            <a:pPr algn="ctr"/>
+            <a:endParaRPr lang="fr-FR">
+              <a:solidFill>
+                <a:srgbClr val="FFC000"/>
+              </a:solidFill>
+            </a:endParaRPr>
+          </a:p>
+        </p:txBody>
+      </p:sp>
+      <p:sp>
+        <p:nvSpPr>
+          <p:cNvPr id="2" name="Titre 1"/>
+          <p:cNvSpPr>
+            <a:spLocks noGrp="1"/>
+          </p:cNvSpPr>
+          <p:nvPr>
+            <p:ph type="ctrTitle"/>
+          </p:nvPr>
+        </p:nvSpPr>
+        <p:spPr>
+          <a:xfrm>
+            <a:off x="323528" y="332656"/>
+            <a:ext cx="2304256" cy="936104"/>
+          </a:xfrm>
+        </p:spPr>
+        <p:txBody>
+          <a:bodyPr>
+            <a:noAutofit/>
+          </a:bodyPr>
+          <a:lstStyle/>
+          <a:p>
+            <a:r>
+              <a:rPr lang="fr-FR" sz="6000" dirty="0" smtClean="0"/>
+              <a:t>SPE</a:t>
+            </a:r>
+            <a:endParaRPr lang="fr-FR" sz="7200" dirty="0"/>
+          </a:p>
+        </p:txBody>
+      </p:sp>
+      <p:sp>
+        <p:nvSpPr>
+          <p:cNvPr id="3" name="Sous-titre 2"/>
+          <p:cNvSpPr>
+            <a:spLocks noGrp="1"/>
+          </p:cNvSpPr>
+          <p:nvPr>
+            <p:ph type="subTitle" idx="1"/>
+          </p:nvPr>
+        </p:nvSpPr>
+        <p:spPr>
+          <a:xfrm>
+            <a:off x="1907704" y="2744924"/>
+            <a:ext cx="4856584" cy="1368152"/>
+          </a:xfrm>
+        </p:spPr>
+        <p:txBody>
+          <a:bodyPr>
+            <a:normAutofit fontScale="85000" lnSpcReduction="10000"/>
+          </a:bodyPr>
+          <a:lstStyle/>
+          <a:p>
+            <a:r>
+              <a:rPr lang="fr-FR" sz="6000" dirty="0">
+                <a:solidFill>
+                  <a:schemeClr val="tx1"/>
+                </a:solidFill>
+              </a:rPr>
+              <a:t>Laiteron glauque</a:t>
+            </a:r>
+            <a:endParaRPr lang="fr-FR" sz="8000" dirty="0">
+              <a:solidFill>
+                <a:schemeClr val="tx1"/>
+              </a:solidFill>
+            </a:endParaRPr>
+          </a:p>
+        </p:txBody>
+      </p:sp>
+      <p:sp>
+        <p:nvSpPr>
+          <p:cNvPr id="4" name="Titre 1"/>
+          <p:cNvSpPr txBox="1">
+            <a:spLocks/>
+          </p:cNvSpPr>
+          <p:nvPr/>
+        </p:nvSpPr>
+        <p:spPr>
+          <a:xfrm>
+            <a:off x="7452320" y="260648"/>
+            <a:ext cx="1368152" cy="648072"/>
+          </a:xfrm>
+          <a:prstGeom prst="rect">
+            <a:avLst/>
+          </a:prstGeom>
+        </p:spPr>
+        <p:txBody>
+          <a:bodyPr vert="horz" lIns="91440" tIns="45720" rIns="91440" bIns="45720" rtlCol="0" anchor="ctr">
+            <a:noAutofit/>
+          </a:bodyPr>
+          <a:lstStyle>
+            <a:lvl1pPr algn="ctr">
+              <a:spcBef>
+                <a:spcPct val="0"/>
+              </a:spcBef>
+              <a:buNone/>
+              <a:defRPr sz="7200">
+                <a:latin typeface="+mj-lt"/>
+                <a:ea typeface="+mj-ea"/>
+                <a:cs typeface="+mj-cs"/>
+              </a:defRPr>
+            </a:lvl1pPr>
+          </a:lstStyle>
+          <a:p>
+            <a:r>
+              <a:rPr lang="fr-FR" dirty="0" smtClean="0"/>
+              <a:t>-</a:t>
+            </a:r>
+            <a:endParaRPr lang="fr-FR" dirty="0"/>
+          </a:p>
+        </p:txBody>
+      </p:sp>
+      <p:sp>
+        <p:nvSpPr>
+          <p:cNvPr id="5" name="Titre 1"/>
+          <p:cNvSpPr txBox="1">
+            <a:spLocks/>
+          </p:cNvSpPr>
+          <p:nvPr/>
+        </p:nvSpPr>
+        <p:spPr>
+          <a:xfrm>
+            <a:off x="467544" y="5805264"/>
+            <a:ext cx="2103218" cy="648072"/>
+          </a:xfrm>
+          <a:prstGeom prst="rect">
+            <a:avLst/>
+          </a:prstGeom>
+        </p:spPr>
+        <p:txBody>
+          <a:bodyPr vert="horz" lIns="91440" tIns="45720" rIns="91440" bIns="45720" rtlCol="0" anchor="ctr">
+            <a:noAutofit/>
+          </a:bodyPr>
+          <a:lstStyle>
+            <a:defPPr>
+              <a:defRPr lang="fr-FR"/>
+            </a:defPPr>
+            <a:lvl1pPr algn="ctr">
+              <a:spcBef>
+                <a:spcPct val="0"/>
+              </a:spcBef>
+              <a:buNone/>
+              <a:defRPr sz="7200">
+                <a:latin typeface="+mj-lt"/>
+                <a:ea typeface="+mj-ea"/>
+                <a:cs typeface="+mj-cs"/>
+              </a:defRPr>
+            </a:lvl1pPr>
+          </a:lstStyle>
+          <a:p>
+            <a:r>
+              <a:rPr lang="fr-FR" dirty="0" err="1"/>
+              <a:t>Niv</a:t>
+            </a:r>
+            <a:r>
+              <a:rPr lang="fr-FR" dirty="0"/>
+              <a:t> </a:t>
+            </a:r>
+            <a:r>
+              <a:rPr lang="fr-FR" dirty="0" smtClean="0"/>
+              <a:t>4</a:t>
+            </a:r>
+            <a:endParaRPr lang="fr-FR" dirty="0"/>
+          </a:p>
+        </p:txBody>
+      </p:sp>
+      <p:sp>
+        <p:nvSpPr>
+          <p:cNvPr id="7" name="Titre 1"/>
+          <p:cNvSpPr txBox="1">
+            <a:spLocks/>
+          </p:cNvSpPr>
+          <p:nvPr/>
+        </p:nvSpPr>
+        <p:spPr>
+          <a:xfrm>
+            <a:off x="4788024" y="4725144"/>
+            <a:ext cx="4248472" cy="1800200"/>
+          </a:xfrm>
+          <a:prstGeom prst="rect">
+            <a:avLst/>
+          </a:prstGeom>
+        </p:spPr>
+        <p:txBody>
+          <a:bodyPr vert="horz" lIns="91440" tIns="45720" rIns="91440" bIns="45720" rtlCol="0" anchor="ctr">
+            <a:noAutofit/>
+          </a:bodyPr>
+          <a:lstStyle>
+            <a:defPPr>
+              <a:defRPr lang="fr-FR"/>
+            </a:defPPr>
+            <a:lvl1pPr algn="ctr">
+              <a:spcBef>
+                <a:spcPct val="0"/>
+              </a:spcBef>
+              <a:buNone/>
+              <a:defRPr sz="7200">
+                <a:latin typeface="+mj-lt"/>
+                <a:ea typeface="+mj-ea"/>
+                <a:cs typeface="+mj-cs"/>
+              </a:defRPr>
+            </a:lvl1pPr>
+          </a:lstStyle>
+          <a:p>
+            <a:r>
+              <a:rPr lang="fr-FR" sz="5400" dirty="0" smtClean="0"/>
+              <a:t>Renvoie les dégâts reçus</a:t>
+            </a:r>
+            <a:endParaRPr lang="fr-FR" sz="5400" dirty="0"/>
+          </a:p>
+        </p:txBody>
+      </p:sp>
+    </p:spTree>
+    <p:extLst>
+      <p:ext uri="{BB962C8B-B14F-4D97-AF65-F5344CB8AC3E}">
+        <p14:creationId xmlns:p14="http://schemas.microsoft.com/office/powerpoint/2010/main" val="1160692899"/>
+      </p:ext>
+    </p:extLst>
+  </p:cSld>
+  <p:clrMapOvr>
+    <a:masterClrMapping/>
+  </p:clrMapOvr>
+  <p:timing>
+    <p:tnLst>
+      <p:par>
+        <p:cTn id="1" dur="indefinite" restart="never" nodeType="tmRoot"/>
+      </p:par>
+    </p:tnLst>
+  </p:timing>
+</p:sld>
+</file>
+
+<file path=ppt/slides/slide16.xml><?xml version="1.0" encoding="utf-8"?>
+<p:sld xmlns:a="http://schemas.openxmlformats.org/drawingml/2006/main" xmlns:r="http://schemas.openxmlformats.org/officeDocument/2006/relationships" xmlns:p="http://schemas.openxmlformats.org/presentationml/2006/main">
+  <p:cSld>
+    <p:spTree>
+      <p:nvGrpSpPr>
+        <p:cNvPr id="1" name=""/>
+        <p:cNvGrpSpPr/>
+        <p:nvPr/>
+      </p:nvGrpSpPr>
+      <p:grpSpPr>
+        <a:xfrm>
+          <a:off x="0" y="0"/>
+          <a:ext cx="0" cy="0"/>
+          <a:chOff x="0" y="0"/>
+          <a:chExt cx="0" cy="0"/>
+        </a:xfrm>
+      </p:grpSpPr>
+      <p:sp>
+        <p:nvSpPr>
+          <p:cNvPr id="6" name="Rectangle 5"/>
+          <p:cNvSpPr/>
+          <p:nvPr/>
+        </p:nvSpPr>
+        <p:spPr>
+          <a:xfrm>
+            <a:off x="0" y="0"/>
+            <a:ext cx="9144000" cy="6858000"/>
+          </a:xfrm>
+          <a:prstGeom prst="rect">
+            <a:avLst/>
+          </a:prstGeom>
+          <a:solidFill>
+            <a:srgbClr val="FFC000">
+              <a:alpha val="0"/>
+            </a:srgbClr>
+          </a:solidFill>
+          <a:ln w="101600">
+            <a:solidFill>
+              <a:schemeClr val="tx1"/>
+            </a:solidFill>
+          </a:ln>
+        </p:spPr>
+        <p:style>
+          <a:lnRef idx="2">
+            <a:schemeClr val="accent1">
+              <a:shade val="50000"/>
+            </a:schemeClr>
+          </a:lnRef>
+          <a:fillRef idx="1">
+            <a:schemeClr val="accent1"/>
+          </a:fillRef>
+          <a:effectRef idx="0">
+            <a:schemeClr val="accent1"/>
+          </a:effectRef>
+          <a:fontRef idx="minor">
+            <a:schemeClr val="lt1"/>
+          </a:fontRef>
+        </p:style>
+        <p:txBody>
+          <a:bodyPr rtlCol="0" anchor="ctr"/>
+          <a:lstStyle/>
+          <a:p>
+            <a:pPr algn="ctr"/>
+            <a:endParaRPr lang="fr-FR">
+              <a:solidFill>
+                <a:srgbClr val="FFC000"/>
+              </a:solidFill>
+            </a:endParaRPr>
+          </a:p>
+        </p:txBody>
+      </p:sp>
+      <p:sp>
+        <p:nvSpPr>
+          <p:cNvPr id="2" name="Titre 1"/>
+          <p:cNvSpPr>
+            <a:spLocks noGrp="1"/>
+          </p:cNvSpPr>
+          <p:nvPr>
+            <p:ph type="ctrTitle"/>
+          </p:nvPr>
+        </p:nvSpPr>
+        <p:spPr>
+          <a:xfrm>
+            <a:off x="323528" y="332656"/>
+            <a:ext cx="2304256" cy="936104"/>
+          </a:xfrm>
+        </p:spPr>
+        <p:txBody>
+          <a:bodyPr>
+            <a:noAutofit/>
+          </a:bodyPr>
+          <a:lstStyle/>
+          <a:p>
+            <a:r>
+              <a:rPr lang="fr-FR" sz="6000" dirty="0" smtClean="0"/>
+              <a:t>SPE</a:t>
+            </a:r>
+            <a:endParaRPr lang="fr-FR" sz="7200" dirty="0"/>
+          </a:p>
+        </p:txBody>
+      </p:sp>
+      <p:sp>
+        <p:nvSpPr>
+          <p:cNvPr id="3" name="Sous-titre 2"/>
+          <p:cNvSpPr>
+            <a:spLocks noGrp="1"/>
+          </p:cNvSpPr>
+          <p:nvPr>
+            <p:ph type="subTitle" idx="1"/>
+          </p:nvPr>
+        </p:nvSpPr>
+        <p:spPr>
+          <a:xfrm>
+            <a:off x="1907704" y="2744924"/>
+            <a:ext cx="4856584" cy="1368152"/>
+          </a:xfrm>
+        </p:spPr>
+        <p:txBody>
+          <a:bodyPr>
+            <a:normAutofit fontScale="85000" lnSpcReduction="20000"/>
+          </a:bodyPr>
+          <a:lstStyle/>
+          <a:p>
+            <a:r>
+              <a:rPr lang="fr-FR" sz="6000" dirty="0" err="1">
+                <a:solidFill>
+                  <a:schemeClr val="tx1"/>
+                </a:solidFill>
+              </a:rPr>
+              <a:t>Hélicette</a:t>
+            </a:r>
+            <a:r>
+              <a:rPr lang="fr-FR" sz="6000" dirty="0">
+                <a:solidFill>
+                  <a:schemeClr val="tx1"/>
+                </a:solidFill>
+              </a:rPr>
+              <a:t> ponctuée</a:t>
+            </a:r>
+            <a:endParaRPr lang="fr-FR" sz="8000" dirty="0">
+              <a:solidFill>
+                <a:schemeClr val="tx1"/>
+              </a:solidFill>
+            </a:endParaRPr>
+          </a:p>
+        </p:txBody>
+      </p:sp>
+      <p:sp>
+        <p:nvSpPr>
+          <p:cNvPr id="4" name="Titre 1"/>
+          <p:cNvSpPr txBox="1">
+            <a:spLocks/>
+          </p:cNvSpPr>
+          <p:nvPr/>
+        </p:nvSpPr>
+        <p:spPr>
+          <a:xfrm>
+            <a:off x="7452320" y="260648"/>
+            <a:ext cx="1368152" cy="648072"/>
+          </a:xfrm>
+          <a:prstGeom prst="rect">
+            <a:avLst/>
+          </a:prstGeom>
+        </p:spPr>
+        <p:txBody>
+          <a:bodyPr vert="horz" lIns="91440" tIns="45720" rIns="91440" bIns="45720" rtlCol="0" anchor="ctr">
+            <a:noAutofit/>
+          </a:bodyPr>
+          <a:lstStyle>
+            <a:lvl1pPr algn="ctr">
+              <a:spcBef>
+                <a:spcPct val="0"/>
+              </a:spcBef>
+              <a:buNone/>
+              <a:defRPr sz="7200">
+                <a:latin typeface="+mj-lt"/>
+                <a:ea typeface="+mj-ea"/>
+                <a:cs typeface="+mj-cs"/>
+              </a:defRPr>
+            </a:lvl1pPr>
+          </a:lstStyle>
+          <a:p>
+            <a:r>
+              <a:rPr lang="fr-FR" dirty="0" smtClean="0"/>
+              <a:t>-</a:t>
+            </a:r>
+            <a:endParaRPr lang="fr-FR" dirty="0"/>
+          </a:p>
+        </p:txBody>
+      </p:sp>
+      <p:sp>
+        <p:nvSpPr>
+          <p:cNvPr id="5" name="Titre 1"/>
+          <p:cNvSpPr txBox="1">
+            <a:spLocks/>
+          </p:cNvSpPr>
+          <p:nvPr/>
+        </p:nvSpPr>
+        <p:spPr>
+          <a:xfrm>
+            <a:off x="467544" y="5805264"/>
+            <a:ext cx="2103218" cy="648072"/>
+          </a:xfrm>
+          <a:prstGeom prst="rect">
+            <a:avLst/>
+          </a:prstGeom>
+        </p:spPr>
+        <p:txBody>
+          <a:bodyPr vert="horz" lIns="91440" tIns="45720" rIns="91440" bIns="45720" rtlCol="0" anchor="ctr">
+            <a:noAutofit/>
+          </a:bodyPr>
+          <a:lstStyle>
+            <a:defPPr>
+              <a:defRPr lang="fr-FR"/>
+            </a:defPPr>
+            <a:lvl1pPr algn="ctr">
+              <a:spcBef>
+                <a:spcPct val="0"/>
+              </a:spcBef>
+              <a:buNone/>
+              <a:defRPr sz="7200">
+                <a:latin typeface="+mj-lt"/>
+                <a:ea typeface="+mj-ea"/>
+                <a:cs typeface="+mj-cs"/>
+              </a:defRPr>
+            </a:lvl1pPr>
+          </a:lstStyle>
+          <a:p>
+            <a:r>
+              <a:rPr lang="fr-FR" dirty="0" err="1"/>
+              <a:t>Niv</a:t>
+            </a:r>
+            <a:r>
+              <a:rPr lang="fr-FR" dirty="0"/>
+              <a:t> </a:t>
+            </a:r>
+            <a:r>
+              <a:rPr lang="fr-FR" dirty="0" smtClean="0"/>
+              <a:t>4</a:t>
+            </a:r>
+            <a:endParaRPr lang="fr-FR" dirty="0"/>
+          </a:p>
+        </p:txBody>
+      </p:sp>
+      <p:sp>
+        <p:nvSpPr>
+          <p:cNvPr id="7" name="Titre 1"/>
+          <p:cNvSpPr txBox="1">
+            <a:spLocks/>
+          </p:cNvSpPr>
+          <p:nvPr/>
+        </p:nvSpPr>
+        <p:spPr>
+          <a:xfrm>
+            <a:off x="4788024" y="4725144"/>
+            <a:ext cx="4248472" cy="1800200"/>
+          </a:xfrm>
+          <a:prstGeom prst="rect">
+            <a:avLst/>
+          </a:prstGeom>
+        </p:spPr>
+        <p:txBody>
+          <a:bodyPr vert="horz" lIns="91440" tIns="45720" rIns="91440" bIns="45720" rtlCol="0" anchor="ctr">
+            <a:noAutofit/>
+          </a:bodyPr>
+          <a:lstStyle>
+            <a:defPPr>
+              <a:defRPr lang="fr-FR"/>
+            </a:defPPr>
+            <a:lvl1pPr algn="ctr">
+              <a:spcBef>
+                <a:spcPct val="0"/>
+              </a:spcBef>
+              <a:buNone/>
+              <a:defRPr sz="7200">
+                <a:latin typeface="+mj-lt"/>
+                <a:ea typeface="+mj-ea"/>
+                <a:cs typeface="+mj-cs"/>
+              </a:defRPr>
+            </a:lvl1pPr>
+          </a:lstStyle>
+          <a:p>
+            <a:r>
+              <a:rPr lang="fr-FR" sz="4400" dirty="0" smtClean="0"/>
+              <a:t>Absorbe la prochaine carte dégâts</a:t>
+            </a:r>
+            <a:endParaRPr lang="fr-FR" sz="4400" dirty="0"/>
+          </a:p>
+        </p:txBody>
+      </p:sp>
+    </p:spTree>
+    <p:extLst>
+      <p:ext uri="{BB962C8B-B14F-4D97-AF65-F5344CB8AC3E}">
+        <p14:creationId xmlns:p14="http://schemas.microsoft.com/office/powerpoint/2010/main" val="2610794499"/>
+      </p:ext>
+    </p:extLst>
+  </p:cSld>
+  <p:clrMapOvr>
+    <a:masterClrMapping/>
+  </p:clrMapOvr>
+  <p:timing>
+    <p:tnLst>
+      <p:par>
+        <p:cTn id="1" dur="indefinite" restart="never" nodeType="tmRoot"/>
+      </p:par>
+    </p:tnLst>
+  </p:timing>
+</p:sld>
+</file>
+
+<file path=ppt/slides/slide17.xml><?xml version="1.0" encoding="utf-8"?>
+<p:sld xmlns:a="http://schemas.openxmlformats.org/drawingml/2006/main" xmlns:r="http://schemas.openxmlformats.org/officeDocument/2006/relationships" xmlns:p="http://schemas.openxmlformats.org/presentationml/2006/main">
+  <p:cSld>
+    <p:spTree>
+      <p:nvGrpSpPr>
+        <p:cNvPr id="1" name=""/>
+        <p:cNvGrpSpPr/>
+        <p:nvPr/>
+      </p:nvGrpSpPr>
+      <p:grpSpPr>
+        <a:xfrm>
+          <a:off x="0" y="0"/>
+          <a:ext cx="0" cy="0"/>
+          <a:chOff x="0" y="0"/>
+          <a:chExt cx="0" cy="0"/>
+        </a:xfrm>
+      </p:grpSpPr>
+      <p:sp>
+        <p:nvSpPr>
+          <p:cNvPr id="6" name="Rectangle 5"/>
+          <p:cNvSpPr/>
+          <p:nvPr/>
+        </p:nvSpPr>
+        <p:spPr>
+          <a:xfrm>
+            <a:off x="0" y="0"/>
+            <a:ext cx="9144000" cy="6858000"/>
+          </a:xfrm>
+          <a:prstGeom prst="rect">
+            <a:avLst/>
+          </a:prstGeom>
+          <a:solidFill>
+            <a:srgbClr val="FFC000">
+              <a:alpha val="0"/>
+            </a:srgbClr>
+          </a:solidFill>
+          <a:ln w="101600">
+            <a:solidFill>
+              <a:schemeClr val="tx1"/>
+            </a:solidFill>
+          </a:ln>
+        </p:spPr>
+        <p:style>
+          <a:lnRef idx="2">
+            <a:schemeClr val="accent1">
+              <a:shade val="50000"/>
+            </a:schemeClr>
+          </a:lnRef>
+          <a:fillRef idx="1">
+            <a:schemeClr val="accent1"/>
+          </a:fillRef>
+          <a:effectRef idx="0">
+            <a:schemeClr val="accent1"/>
+          </a:effectRef>
+          <a:fontRef idx="minor">
+            <a:schemeClr val="lt1"/>
+          </a:fontRef>
+        </p:style>
+        <p:txBody>
+          <a:bodyPr rtlCol="0" anchor="ctr"/>
+          <a:lstStyle/>
+          <a:p>
+            <a:pPr algn="ctr"/>
+            <a:endParaRPr lang="fr-FR">
+              <a:solidFill>
+                <a:srgbClr val="FFC000"/>
+              </a:solidFill>
+            </a:endParaRPr>
+          </a:p>
+        </p:txBody>
+      </p:sp>
+      <p:sp>
+        <p:nvSpPr>
+          <p:cNvPr id="2" name="Titre 1"/>
+          <p:cNvSpPr>
+            <a:spLocks noGrp="1"/>
+          </p:cNvSpPr>
+          <p:nvPr>
+            <p:ph type="ctrTitle"/>
+          </p:nvPr>
+        </p:nvSpPr>
+        <p:spPr>
+          <a:xfrm>
+            <a:off x="323528" y="332656"/>
+            <a:ext cx="2304256" cy="936104"/>
+          </a:xfrm>
+        </p:spPr>
+        <p:txBody>
+          <a:bodyPr>
+            <a:noAutofit/>
+          </a:bodyPr>
+          <a:lstStyle/>
+          <a:p>
+            <a:r>
+              <a:rPr lang="fr-FR" sz="6000" dirty="0" smtClean="0"/>
+              <a:t>-</a:t>
+            </a:r>
+            <a:endParaRPr lang="fr-FR" sz="7200" dirty="0"/>
+          </a:p>
+        </p:txBody>
+      </p:sp>
+      <p:sp>
+        <p:nvSpPr>
+          <p:cNvPr id="3" name="Sous-titre 2"/>
+          <p:cNvSpPr>
+            <a:spLocks noGrp="1"/>
+          </p:cNvSpPr>
+          <p:nvPr>
+            <p:ph type="subTitle" idx="1"/>
+          </p:nvPr>
+        </p:nvSpPr>
+        <p:spPr>
+          <a:xfrm>
+            <a:off x="1907704" y="2744924"/>
+            <a:ext cx="4856584" cy="1368152"/>
+          </a:xfrm>
+        </p:spPr>
+        <p:txBody>
+          <a:bodyPr>
+            <a:normAutofit fontScale="85000" lnSpcReduction="20000"/>
+          </a:bodyPr>
+          <a:lstStyle/>
+          <a:p>
+            <a:r>
+              <a:rPr lang="fr-FR" sz="6000" dirty="0" err="1">
+                <a:solidFill>
+                  <a:schemeClr val="tx1"/>
+                </a:solidFill>
+              </a:rPr>
+              <a:t>Phyllodactyle</a:t>
+            </a:r>
+            <a:r>
+              <a:rPr lang="fr-FR" sz="6000" dirty="0">
+                <a:solidFill>
+                  <a:schemeClr val="tx1"/>
+                </a:solidFill>
+              </a:rPr>
+              <a:t> d'Europe</a:t>
+            </a:r>
+            <a:endParaRPr lang="fr-FR" sz="8000" dirty="0">
+              <a:solidFill>
+                <a:schemeClr val="tx1"/>
+              </a:solidFill>
+            </a:endParaRPr>
+          </a:p>
+        </p:txBody>
+      </p:sp>
+      <p:sp>
+        <p:nvSpPr>
+          <p:cNvPr id="4" name="Titre 1"/>
+          <p:cNvSpPr txBox="1">
+            <a:spLocks/>
+          </p:cNvSpPr>
+          <p:nvPr/>
+        </p:nvSpPr>
+        <p:spPr>
+          <a:xfrm>
+            <a:off x="7452320" y="260648"/>
+            <a:ext cx="1368152" cy="648072"/>
+          </a:xfrm>
+          <a:prstGeom prst="rect">
+            <a:avLst/>
+          </a:prstGeom>
+        </p:spPr>
+        <p:txBody>
+          <a:bodyPr vert="horz" lIns="91440" tIns="45720" rIns="91440" bIns="45720" rtlCol="0" anchor="ctr">
+            <a:noAutofit/>
+          </a:bodyPr>
+          <a:lstStyle>
+            <a:lvl1pPr algn="ctr">
+              <a:spcBef>
+                <a:spcPct val="0"/>
+              </a:spcBef>
+              <a:buNone/>
+              <a:defRPr sz="7200">
+                <a:latin typeface="+mj-lt"/>
+                <a:ea typeface="+mj-ea"/>
+                <a:cs typeface="+mj-cs"/>
+              </a:defRPr>
+            </a:lvl1pPr>
+          </a:lstStyle>
+          <a:p>
+            <a:r>
+              <a:rPr lang="fr-FR" dirty="0" smtClean="0"/>
+              <a:t>-</a:t>
+            </a:r>
+            <a:endParaRPr lang="fr-FR" dirty="0"/>
+          </a:p>
+        </p:txBody>
+      </p:sp>
+      <p:sp>
+        <p:nvSpPr>
+          <p:cNvPr id="5" name="Titre 1"/>
+          <p:cNvSpPr txBox="1">
+            <a:spLocks/>
+          </p:cNvSpPr>
+          <p:nvPr/>
+        </p:nvSpPr>
+        <p:spPr>
+          <a:xfrm>
+            <a:off x="467544" y="5805264"/>
+            <a:ext cx="2103218" cy="648072"/>
+          </a:xfrm>
+          <a:prstGeom prst="rect">
+            <a:avLst/>
+          </a:prstGeom>
+        </p:spPr>
+        <p:txBody>
+          <a:bodyPr vert="horz" lIns="91440" tIns="45720" rIns="91440" bIns="45720" rtlCol="0" anchor="ctr">
+            <a:noAutofit/>
+          </a:bodyPr>
+          <a:lstStyle>
+            <a:defPPr>
+              <a:defRPr lang="fr-FR"/>
+            </a:defPPr>
+            <a:lvl1pPr algn="ctr">
+              <a:spcBef>
+                <a:spcPct val="0"/>
+              </a:spcBef>
+              <a:buNone/>
+              <a:defRPr sz="7200">
+                <a:latin typeface="+mj-lt"/>
+                <a:ea typeface="+mj-ea"/>
+                <a:cs typeface="+mj-cs"/>
+              </a:defRPr>
+            </a:lvl1pPr>
+          </a:lstStyle>
+          <a:p>
+            <a:r>
+              <a:rPr lang="fr-FR" dirty="0" err="1"/>
+              <a:t>Niv</a:t>
+            </a:r>
+            <a:r>
+              <a:rPr lang="fr-FR" dirty="0"/>
+              <a:t> 5</a:t>
+            </a:r>
+          </a:p>
+        </p:txBody>
+      </p:sp>
+      <p:sp>
+        <p:nvSpPr>
+          <p:cNvPr id="7" name="Titre 1"/>
+          <p:cNvSpPr txBox="1">
+            <a:spLocks/>
+          </p:cNvSpPr>
+          <p:nvPr/>
+        </p:nvSpPr>
+        <p:spPr>
+          <a:xfrm>
+            <a:off x="4788024" y="4725144"/>
+            <a:ext cx="4248472" cy="1800200"/>
+          </a:xfrm>
+          <a:prstGeom prst="rect">
+            <a:avLst/>
+          </a:prstGeom>
+        </p:spPr>
+        <p:txBody>
+          <a:bodyPr vert="horz" lIns="91440" tIns="45720" rIns="91440" bIns="45720" rtlCol="0" anchor="ctr">
+            <a:noAutofit/>
+          </a:bodyPr>
+          <a:lstStyle>
+            <a:defPPr>
+              <a:defRPr lang="fr-FR"/>
+            </a:defPPr>
+            <a:lvl1pPr algn="ctr">
+              <a:spcBef>
+                <a:spcPct val="0"/>
+              </a:spcBef>
+              <a:buNone/>
+              <a:defRPr sz="7200">
+                <a:latin typeface="+mj-lt"/>
+                <a:ea typeface="+mj-ea"/>
+                <a:cs typeface="+mj-cs"/>
+              </a:defRPr>
+            </a:lvl1pPr>
+          </a:lstStyle>
+          <a:p>
+            <a:r>
+              <a:rPr lang="fr-FR" sz="4400" dirty="0" smtClean="0"/>
+              <a:t>Vol prochaine carte jouée </a:t>
+            </a:r>
+            <a:r>
+              <a:rPr lang="fr-FR" sz="4400" dirty="0" err="1" smtClean="0"/>
+              <a:t>adv</a:t>
+            </a:r>
+            <a:endParaRPr lang="fr-FR" sz="4400" dirty="0"/>
+          </a:p>
+        </p:txBody>
+      </p:sp>
+    </p:spTree>
+    <p:extLst>
+      <p:ext uri="{BB962C8B-B14F-4D97-AF65-F5344CB8AC3E}">
+        <p14:creationId xmlns:p14="http://schemas.microsoft.com/office/powerpoint/2010/main" val="1756339222"/>
+      </p:ext>
+    </p:extLst>
+  </p:cSld>
+  <p:clrMapOvr>
+    <a:masterClrMapping/>
+  </p:clrMapOvr>
+  <p:timing>
+    <p:tnLst>
+      <p:par>
+        <p:cTn id="1" dur="indefinite" restart="never" nodeType="tmRoot"/>
+      </p:par>
+    </p:tnLst>
+  </p:timing>
+</p:sld>
+</file>
+
+<file path=ppt/slides/slide18.xml><?xml version="1.0" encoding="utf-8"?>
+<p:sld xmlns:a="http://schemas.openxmlformats.org/drawingml/2006/main" xmlns:r="http://schemas.openxmlformats.org/officeDocument/2006/relationships" xmlns:p="http://schemas.openxmlformats.org/presentationml/2006/main">
+  <p:cSld>
+    <p:spTree>
+      <p:nvGrpSpPr>
+        <p:cNvPr id="1" name=""/>
+        <p:cNvGrpSpPr/>
+        <p:nvPr/>
+      </p:nvGrpSpPr>
+      <p:grpSpPr>
+        <a:xfrm>
+          <a:off x="0" y="0"/>
+          <a:ext cx="0" cy="0"/>
+          <a:chOff x="0" y="0"/>
+          <a:chExt cx="0" cy="0"/>
+        </a:xfrm>
+      </p:grpSpPr>
+      <p:sp>
+        <p:nvSpPr>
+          <p:cNvPr id="6" name="Rectangle 5"/>
+          <p:cNvSpPr/>
+          <p:nvPr/>
+        </p:nvSpPr>
+        <p:spPr>
+          <a:xfrm>
+            <a:off x="0" y="0"/>
+            <a:ext cx="9144000" cy="6858000"/>
+          </a:xfrm>
+          <a:prstGeom prst="rect">
+            <a:avLst/>
+          </a:prstGeom>
+          <a:solidFill>
+            <a:srgbClr val="FFC000">
+              <a:alpha val="0"/>
+            </a:srgbClr>
+          </a:solidFill>
+          <a:ln w="101600">
+            <a:solidFill>
+              <a:schemeClr val="tx1"/>
+            </a:solidFill>
+          </a:ln>
+        </p:spPr>
+        <p:style>
+          <a:lnRef idx="2">
+            <a:schemeClr val="accent1">
+              <a:shade val="50000"/>
+            </a:schemeClr>
+          </a:lnRef>
+          <a:fillRef idx="1">
+            <a:schemeClr val="accent1"/>
+          </a:fillRef>
+          <a:effectRef idx="0">
+            <a:schemeClr val="accent1"/>
+          </a:effectRef>
+          <a:fontRef idx="minor">
+            <a:schemeClr val="lt1"/>
+          </a:fontRef>
+        </p:style>
+        <p:txBody>
+          <a:bodyPr rtlCol="0" anchor="ctr"/>
+          <a:lstStyle/>
+          <a:p>
+            <a:pPr algn="ctr"/>
+            <a:endParaRPr lang="fr-FR">
+              <a:solidFill>
+                <a:srgbClr val="FFC000"/>
+              </a:solidFill>
+            </a:endParaRPr>
+          </a:p>
+        </p:txBody>
+      </p:sp>
+      <p:sp>
+        <p:nvSpPr>
+          <p:cNvPr id="2" name="Titre 1"/>
+          <p:cNvSpPr>
+            <a:spLocks noGrp="1"/>
+          </p:cNvSpPr>
+          <p:nvPr>
+            <p:ph type="ctrTitle"/>
+          </p:nvPr>
+        </p:nvSpPr>
+        <p:spPr>
+          <a:xfrm>
+            <a:off x="323528" y="332656"/>
+            <a:ext cx="2304256" cy="936104"/>
+          </a:xfrm>
+        </p:spPr>
+        <p:txBody>
+          <a:bodyPr>
+            <a:noAutofit/>
+          </a:bodyPr>
+          <a:lstStyle/>
+          <a:p>
+            <a:r>
+              <a:rPr lang="fr-FR" sz="6000" dirty="0" smtClean="0"/>
+              <a:t>-</a:t>
+            </a:r>
+            <a:endParaRPr lang="fr-FR" sz="7200" dirty="0"/>
+          </a:p>
+        </p:txBody>
+      </p:sp>
+      <p:sp>
+        <p:nvSpPr>
+          <p:cNvPr id="3" name="Sous-titre 2"/>
+          <p:cNvSpPr>
+            <a:spLocks noGrp="1"/>
+          </p:cNvSpPr>
+          <p:nvPr>
+            <p:ph type="subTitle" idx="1"/>
+          </p:nvPr>
+        </p:nvSpPr>
+        <p:spPr>
+          <a:xfrm>
+            <a:off x="1907704" y="2744924"/>
+            <a:ext cx="4856584" cy="1368152"/>
+          </a:xfrm>
+        </p:spPr>
+        <p:txBody>
+          <a:bodyPr>
+            <a:normAutofit/>
+          </a:bodyPr>
+          <a:lstStyle/>
+          <a:p>
+            <a:r>
+              <a:rPr lang="fr-FR" sz="6000" dirty="0">
+                <a:solidFill>
+                  <a:schemeClr val="tx1"/>
+                </a:solidFill>
+              </a:rPr>
+              <a:t>Punaise</a:t>
+            </a:r>
+            <a:endParaRPr lang="fr-FR" sz="8000" dirty="0">
+              <a:solidFill>
+                <a:schemeClr val="tx1"/>
+              </a:solidFill>
+            </a:endParaRPr>
+          </a:p>
+        </p:txBody>
+      </p:sp>
+      <p:sp>
+        <p:nvSpPr>
+          <p:cNvPr id="4" name="Titre 1"/>
+          <p:cNvSpPr txBox="1">
+            <a:spLocks/>
+          </p:cNvSpPr>
+          <p:nvPr/>
+        </p:nvSpPr>
+        <p:spPr>
+          <a:xfrm>
+            <a:off x="7452320" y="260648"/>
+            <a:ext cx="1368152" cy="648072"/>
+          </a:xfrm>
+          <a:prstGeom prst="rect">
+            <a:avLst/>
+          </a:prstGeom>
+        </p:spPr>
+        <p:txBody>
+          <a:bodyPr vert="horz" lIns="91440" tIns="45720" rIns="91440" bIns="45720" rtlCol="0" anchor="ctr">
+            <a:noAutofit/>
+          </a:bodyPr>
+          <a:lstStyle>
+            <a:lvl1pPr algn="ctr">
+              <a:spcBef>
+                <a:spcPct val="0"/>
+              </a:spcBef>
+              <a:buNone/>
+              <a:defRPr sz="7200">
+                <a:latin typeface="+mj-lt"/>
+                <a:ea typeface="+mj-ea"/>
+                <a:cs typeface="+mj-cs"/>
+              </a:defRPr>
+            </a:lvl1pPr>
+          </a:lstStyle>
+          <a:p>
+            <a:r>
+              <a:rPr lang="fr-FR" dirty="0" smtClean="0"/>
+              <a:t>-</a:t>
+            </a:r>
+            <a:endParaRPr lang="fr-FR" dirty="0"/>
+          </a:p>
+        </p:txBody>
+      </p:sp>
+      <p:sp>
+        <p:nvSpPr>
+          <p:cNvPr id="5" name="Titre 1"/>
+          <p:cNvSpPr txBox="1">
+            <a:spLocks/>
+          </p:cNvSpPr>
+          <p:nvPr/>
+        </p:nvSpPr>
+        <p:spPr>
+          <a:xfrm>
+            <a:off x="467544" y="5805264"/>
+            <a:ext cx="2103218" cy="648072"/>
+          </a:xfrm>
+          <a:prstGeom prst="rect">
+            <a:avLst/>
+          </a:prstGeom>
+        </p:spPr>
+        <p:txBody>
+          <a:bodyPr vert="horz" lIns="91440" tIns="45720" rIns="91440" bIns="45720" rtlCol="0" anchor="ctr">
+            <a:noAutofit/>
+          </a:bodyPr>
+          <a:lstStyle>
+            <a:defPPr>
+              <a:defRPr lang="fr-FR"/>
+            </a:defPPr>
+            <a:lvl1pPr algn="ctr">
+              <a:spcBef>
+                <a:spcPct val="0"/>
+              </a:spcBef>
+              <a:buNone/>
+              <a:defRPr sz="7200">
+                <a:latin typeface="+mj-lt"/>
+                <a:ea typeface="+mj-ea"/>
+                <a:cs typeface="+mj-cs"/>
+              </a:defRPr>
+            </a:lvl1pPr>
+          </a:lstStyle>
+          <a:p>
+            <a:r>
+              <a:rPr lang="fr-FR" dirty="0" err="1"/>
+              <a:t>Niv</a:t>
+            </a:r>
+            <a:r>
+              <a:rPr lang="fr-FR"/>
+              <a:t> </a:t>
+            </a:r>
+            <a:r>
+              <a:rPr lang="fr-FR" smtClean="0"/>
+              <a:t>7</a:t>
+            </a:r>
+            <a:endParaRPr lang="fr-FR" dirty="0"/>
+          </a:p>
+        </p:txBody>
+      </p:sp>
+      <p:sp>
+        <p:nvSpPr>
+          <p:cNvPr id="7" name="Titre 1"/>
+          <p:cNvSpPr txBox="1">
+            <a:spLocks/>
+          </p:cNvSpPr>
+          <p:nvPr/>
+        </p:nvSpPr>
+        <p:spPr>
+          <a:xfrm>
+            <a:off x="4788024" y="4725144"/>
+            <a:ext cx="4248472" cy="1800200"/>
+          </a:xfrm>
+          <a:prstGeom prst="rect">
+            <a:avLst/>
+          </a:prstGeom>
+        </p:spPr>
+        <p:txBody>
+          <a:bodyPr vert="horz" lIns="91440" tIns="45720" rIns="91440" bIns="45720" rtlCol="0" anchor="ctr">
+            <a:noAutofit/>
+          </a:bodyPr>
+          <a:lstStyle>
+            <a:defPPr>
+              <a:defRPr lang="fr-FR"/>
+            </a:defPPr>
+            <a:lvl1pPr algn="ctr">
+              <a:spcBef>
+                <a:spcPct val="0"/>
+              </a:spcBef>
+              <a:buNone/>
+              <a:defRPr sz="7200">
+                <a:latin typeface="+mj-lt"/>
+                <a:ea typeface="+mj-ea"/>
+                <a:cs typeface="+mj-cs"/>
+              </a:defRPr>
+            </a:lvl1pPr>
+          </a:lstStyle>
+          <a:p>
+            <a:r>
+              <a:rPr lang="fr-FR" sz="3600" dirty="0" smtClean="0"/>
+              <a:t>Pioche une carte par point prochaine attaque</a:t>
+            </a:r>
+            <a:endParaRPr lang="fr-FR" sz="3600" dirty="0"/>
+          </a:p>
+        </p:txBody>
+      </p:sp>
+    </p:spTree>
+    <p:extLst>
+      <p:ext uri="{BB962C8B-B14F-4D97-AF65-F5344CB8AC3E}">
+        <p14:creationId xmlns:p14="http://schemas.microsoft.com/office/powerpoint/2010/main" val="3625778910"/>
       </p:ext>
     </p:extLst>
   </p:cSld>
@@ -4553,11 +6362,6 @@
               </a:rPr>
               <a:t>Alysson maritime</a:t>
             </a:r>
-            <a:endParaRPr lang="fr-FR" sz="8000" dirty="0">
-              <a:solidFill>
-                <a:schemeClr val="tx1"/>
-              </a:solidFill>
-            </a:endParaRPr>
           </a:p>
         </p:txBody>
       </p:sp>
@@ -4652,8 +6456,13 @@
             </a:r>
             <a:r>
               <a:rPr lang="fr-FR" dirty="0"/>
-              <a:t> 1</a:t>
-            </a:r>
+              <a:t> </a:t>
+            </a:r>
+            <a:r>
+              <a:rPr lang="fr-FR" dirty="0" smtClean="0"/>
+              <a:t>2</a:t>
+            </a:r>
+            <a:endParaRPr lang="fr-FR" dirty="0"/>
           </a:p>
         </p:txBody>
       </p:sp>
@@ -4706,7 +6515,7 @@
     </p:spTree>
     <p:extLst>
       <p:ext uri="{BB962C8B-B14F-4D97-AF65-F5344CB8AC3E}">
-        <p14:creationId xmlns:p14="http://schemas.microsoft.com/office/powerpoint/2010/main" val="1125881690"/>
+        <p14:creationId xmlns:p14="http://schemas.microsoft.com/office/powerpoint/2010/main" val="2139876528"/>
       </p:ext>
     </p:extLst>
   </p:cSld>
@@ -4854,11 +6663,6 @@
               </a:rPr>
               <a:t>Alysson maritime</a:t>
             </a:r>
-            <a:endParaRPr lang="fr-FR" sz="8000" dirty="0">
-              <a:solidFill>
-                <a:schemeClr val="tx1"/>
-              </a:solidFill>
-            </a:endParaRPr>
           </a:p>
         </p:txBody>
       </p:sp>
@@ -4953,8 +6757,13 @@
             </a:r>
             <a:r>
               <a:rPr lang="fr-FR" dirty="0"/>
-              <a:t> 1</a:t>
-            </a:r>
+              <a:t> </a:t>
+            </a:r>
+            <a:r>
+              <a:rPr lang="fr-FR" dirty="0" smtClean="0"/>
+              <a:t>2</a:t>
+            </a:r>
+            <a:endParaRPr lang="fr-FR" dirty="0"/>
           </a:p>
         </p:txBody>
       </p:sp>
@@ -5007,7 +6816,7 @@
     </p:spTree>
     <p:extLst>
       <p:ext uri="{BB962C8B-B14F-4D97-AF65-F5344CB8AC3E}">
-        <p14:creationId xmlns:p14="http://schemas.microsoft.com/office/powerpoint/2010/main" val="2731908207"/>
+        <p14:creationId xmlns:p14="http://schemas.microsoft.com/office/powerpoint/2010/main" val="2139876528"/>
       </p:ext>
     </p:extLst>
   </p:cSld>
@@ -5155,11 +6964,6 @@
               </a:rPr>
               <a:t>Alysson maritime</a:t>
             </a:r>
-            <a:endParaRPr lang="fr-FR" sz="8000" dirty="0">
-              <a:solidFill>
-                <a:schemeClr val="tx1"/>
-              </a:solidFill>
-            </a:endParaRPr>
           </a:p>
         </p:txBody>
       </p:sp>
@@ -5254,8 +7058,13 @@
             </a:r>
             <a:r>
               <a:rPr lang="fr-FR" dirty="0"/>
-              <a:t> 1</a:t>
-            </a:r>
+              <a:t> </a:t>
+            </a:r>
+            <a:r>
+              <a:rPr lang="fr-FR" dirty="0" smtClean="0"/>
+              <a:t>2</a:t>
+            </a:r>
+            <a:endParaRPr lang="fr-FR" dirty="0"/>
           </a:p>
         </p:txBody>
       </p:sp>
@@ -5308,7 +7117,7 @@
     </p:spTree>
     <p:extLst>
       <p:ext uri="{BB962C8B-B14F-4D97-AF65-F5344CB8AC3E}">
-        <p14:creationId xmlns:p14="http://schemas.microsoft.com/office/powerpoint/2010/main" val="1649740358"/>
+        <p14:creationId xmlns:p14="http://schemas.microsoft.com/office/powerpoint/2010/main" val="2139876528"/>
       </p:ext>
     </p:extLst>
   </p:cSld>
@@ -5444,17 +7253,17 @@
         </p:spPr>
         <p:txBody>
           <a:bodyPr>
-            <a:normAutofit fontScale="62500" lnSpcReduction="20000"/>
+            <a:normAutofit fontScale="85000" lnSpcReduction="10000"/>
           </a:bodyPr>
           <a:lstStyle/>
           <a:p>
             <a:r>
-              <a:rPr lang="fr-FR" sz="8000" dirty="0" smtClean="0">
+              <a:rPr lang="fr-FR" sz="8000" smtClean="0">
                 <a:solidFill>
                   <a:schemeClr val="tx1"/>
                 </a:solidFill>
               </a:rPr>
-              <a:t>Rouge-Gorge + Laitue</a:t>
+              <a:t>Rouge-Gorge</a:t>
             </a:r>
             <a:endParaRPr lang="fr-FR" sz="8000" dirty="0">
               <a:solidFill>
@@ -5500,12 +7309,8 @@
           </a:lstStyle>
           <a:p>
             <a:r>
-              <a:rPr lang="fr-FR" dirty="0"/>
-              <a:t>S </a:t>
-            </a:r>
-            <a:r>
               <a:rPr lang="fr-FR" dirty="0" smtClean="0"/>
-              <a:t>1</a:t>
+              <a:t>-</a:t>
             </a:r>
             <a:endParaRPr lang="fr-FR" dirty="0"/>
           </a:p>
@@ -5726,9 +7531,12 @@
           <a:p>
             <a:r>
               <a:rPr lang="fr-FR" sz="7200" dirty="0" smtClean="0"/>
-              <a:t>A 5</a:t>
-            </a:r>
-            <a:endParaRPr lang="fr-FR" sz="7200" dirty="0"/>
+              <a:t>A </a:t>
+            </a:r>
+            <a:r>
+              <a:rPr lang="fr-FR" sz="7200" dirty="0"/>
+              <a:t>4</a:t>
+            </a:r>
           </a:p>
         </p:txBody>
       </p:sp>
@@ -5750,7 +7558,7 @@
         </p:spPr>
         <p:txBody>
           <a:bodyPr>
-            <a:normAutofit fontScale="55000" lnSpcReduction="20000"/>
+            <a:normAutofit fontScale="62500" lnSpcReduction="20000"/>
           </a:bodyPr>
           <a:lstStyle/>
           <a:p>
@@ -5760,16 +7568,13 @@
                   <a:schemeClr val="tx1"/>
                 </a:solidFill>
               </a:rPr>
-              <a:t>Grand cormoran </a:t>
-            </a:r>
-            <a:r>
-              <a:rPr lang="fr-FR" sz="8000" dirty="0">
-                <a:solidFill>
-                  <a:schemeClr val="tx1"/>
-                </a:solidFill>
-              </a:rPr>
-              <a:t>+ Agave d'Amérique</a:t>
-            </a:r>
+              <a:t>Grand cormoran</a:t>
+            </a:r>
+            <a:endParaRPr lang="fr-FR" sz="8000" dirty="0">
+              <a:solidFill>
+                <a:schemeClr val="tx1"/>
+              </a:solidFill>
+            </a:endParaRPr>
           </a:p>
         </p:txBody>
       </p:sp>
@@ -6030,7 +7835,7 @@
           <a:p>
             <a:r>
               <a:rPr lang="fr-FR" sz="7200" dirty="0" smtClean="0"/>
-              <a:t>A 5</a:t>
+              <a:t>A 4</a:t>
             </a:r>
             <a:endParaRPr lang="fr-FR" sz="7200" dirty="0"/>
           </a:p>
@@ -6054,7 +7859,7 @@
         </p:spPr>
         <p:txBody>
           <a:bodyPr>
-            <a:normAutofit fontScale="55000" lnSpcReduction="20000"/>
+            <a:normAutofit fontScale="62500" lnSpcReduction="20000"/>
           </a:bodyPr>
           <a:lstStyle/>
           <a:p>
@@ -6064,16 +7869,13 @@
                   <a:schemeClr val="tx1"/>
                 </a:solidFill>
               </a:rPr>
-              <a:t>Grand cormoran </a:t>
-            </a:r>
-            <a:r>
-              <a:rPr lang="fr-FR" sz="8000" dirty="0">
-                <a:solidFill>
-                  <a:schemeClr val="tx1"/>
-                </a:solidFill>
-              </a:rPr>
-              <a:t>+ Agave d'Amérique</a:t>
-            </a:r>
+              <a:t>Grand cormoran</a:t>
+            </a:r>
+            <a:endParaRPr lang="fr-FR" sz="8000" dirty="0">
+              <a:solidFill>
+                <a:schemeClr val="tx1"/>
+              </a:solidFill>
+            </a:endParaRPr>
           </a:p>
         </p:txBody>
       </p:sp>
@@ -6819,11 +8621,7 @@
           <a:p>
             <a:r>
               <a:rPr lang="fr-FR" dirty="0" smtClean="0"/>
-              <a:t>+6 </a:t>
-            </a:r>
-            <a:r>
-              <a:rPr lang="fr-FR" dirty="0" smtClean="0"/>
-              <a:t>actions</a:t>
+              <a:t>+7 actions</a:t>
             </a:r>
             <a:endParaRPr lang="fr-FR" dirty="0"/>
           </a:p>

--- a/Docs/CartesRetard.pptx
+++ b/Docs/CartesRetard.pptx
@@ -23,9 +23,9 @@
     <p:sldId id="335" r:id="rId14"/>
     <p:sldId id="336" r:id="rId15"/>
     <p:sldId id="267" r:id="rId16"/>
-    <p:sldId id="356" r:id="rId17"/>
-    <p:sldId id="357" r:id="rId18"/>
-    <p:sldId id="329" r:id="rId19"/>
+    <p:sldId id="359" r:id="rId17"/>
+    <p:sldId id="360" r:id="rId18"/>
+    <p:sldId id="361" r:id="rId19"/>
     <p:sldId id="330" r:id="rId20"/>
     <p:sldId id="352" r:id="rId21"/>
     <p:sldId id="353" r:id="rId22"/>
@@ -236,7 +236,7 @@
           <a:p>
             <a:fld id="{8F6BF74C-C825-46E6-A94A-4DDCA47B6E5E}" type="datetimeFigureOut">
               <a:rPr lang="fr-FR" smtClean="0"/>
-              <a:t>14/08/2015</a:t>
+              <a:t>17/08/2015</a:t>
             </a:fld>
             <a:endParaRPr lang="fr-FR"/>
           </a:p>
@@ -500,7 +500,7 @@
           <a:p>
             <a:fld id="{AA309A6D-C09C-4548-B29A-6CF363A7E532}" type="datetimeFigureOut">
               <a:rPr lang="fr-FR" smtClean="0"/>
-              <a:t>14/08/2015</a:t>
+              <a:t>17/08/2015</a:t>
             </a:fld>
             <a:endParaRPr lang="fr-BE"/>
           </a:p>
@@ -665,7 +665,7 @@
           <a:p>
             <a:fld id="{AA309A6D-C09C-4548-B29A-6CF363A7E532}" type="datetimeFigureOut">
               <a:rPr lang="fr-FR" smtClean="0"/>
-              <a:t>14/08/2015</a:t>
+              <a:t>17/08/2015</a:t>
             </a:fld>
             <a:endParaRPr lang="fr-BE"/>
           </a:p>
@@ -840,7 +840,7 @@
           <a:p>
             <a:fld id="{AA309A6D-C09C-4548-B29A-6CF363A7E532}" type="datetimeFigureOut">
               <a:rPr lang="fr-FR" smtClean="0"/>
-              <a:t>14/08/2015</a:t>
+              <a:t>17/08/2015</a:t>
             </a:fld>
             <a:endParaRPr lang="fr-BE"/>
           </a:p>
@@ -1005,7 +1005,7 @@
           <a:p>
             <a:fld id="{AA309A6D-C09C-4548-B29A-6CF363A7E532}" type="datetimeFigureOut">
               <a:rPr lang="fr-FR" smtClean="0"/>
-              <a:t>14/08/2015</a:t>
+              <a:t>17/08/2015</a:t>
             </a:fld>
             <a:endParaRPr lang="fr-BE"/>
           </a:p>
@@ -1246,7 +1246,7 @@
           <a:p>
             <a:fld id="{AA309A6D-C09C-4548-B29A-6CF363A7E532}" type="datetimeFigureOut">
               <a:rPr lang="fr-FR" smtClean="0"/>
-              <a:t>14/08/2015</a:t>
+              <a:t>17/08/2015</a:t>
             </a:fld>
             <a:endParaRPr lang="fr-BE"/>
           </a:p>
@@ -1529,7 +1529,7 @@
           <a:p>
             <a:fld id="{AA309A6D-C09C-4548-B29A-6CF363A7E532}" type="datetimeFigureOut">
               <a:rPr lang="fr-FR" smtClean="0"/>
-              <a:t>14/08/2015</a:t>
+              <a:t>17/08/2015</a:t>
             </a:fld>
             <a:endParaRPr lang="fr-BE"/>
           </a:p>
@@ -1946,7 +1946,7 @@
           <a:p>
             <a:fld id="{AA309A6D-C09C-4548-B29A-6CF363A7E532}" type="datetimeFigureOut">
               <a:rPr lang="fr-FR" smtClean="0"/>
-              <a:t>14/08/2015</a:t>
+              <a:t>17/08/2015</a:t>
             </a:fld>
             <a:endParaRPr lang="fr-BE"/>
           </a:p>
@@ -2059,7 +2059,7 @@
           <a:p>
             <a:fld id="{AA309A6D-C09C-4548-B29A-6CF363A7E532}" type="datetimeFigureOut">
               <a:rPr lang="fr-FR" smtClean="0"/>
-              <a:t>14/08/2015</a:t>
+              <a:t>17/08/2015</a:t>
             </a:fld>
             <a:endParaRPr lang="fr-BE"/>
           </a:p>
@@ -2149,7 +2149,7 @@
           <a:p>
             <a:fld id="{AA309A6D-C09C-4548-B29A-6CF363A7E532}" type="datetimeFigureOut">
               <a:rPr lang="fr-FR" smtClean="0"/>
-              <a:t>14/08/2015</a:t>
+              <a:t>17/08/2015</a:t>
             </a:fld>
             <a:endParaRPr lang="fr-BE"/>
           </a:p>
@@ -2421,7 +2421,7 @@
           <a:p>
             <a:fld id="{AA309A6D-C09C-4548-B29A-6CF363A7E532}" type="datetimeFigureOut">
               <a:rPr lang="fr-FR" smtClean="0"/>
-              <a:t>14/08/2015</a:t>
+              <a:t>17/08/2015</a:t>
             </a:fld>
             <a:endParaRPr lang="fr-BE"/>
           </a:p>
@@ -2669,7 +2669,7 @@
           <a:p>
             <a:fld id="{AA309A6D-C09C-4548-B29A-6CF363A7E532}" type="datetimeFigureOut">
               <a:rPr lang="fr-FR" smtClean="0"/>
-              <a:t>14/08/2015</a:t>
+              <a:t>17/08/2015</a:t>
             </a:fld>
             <a:endParaRPr lang="fr-BE"/>
           </a:p>
@@ -2877,7 +2877,7 @@
           <a:p>
             <a:fld id="{AA309A6D-C09C-4548-B29A-6CF363A7E532}" type="datetimeFigureOut">
               <a:rPr lang="fr-FR" smtClean="0"/>
-              <a:t>14/08/2015</a:t>
+              <a:t>17/08/2015</a:t>
             </a:fld>
             <a:endParaRPr lang="fr-BE"/>
           </a:p>
@@ -5259,7 +5259,7 @@
           <a:p>
             <a:r>
               <a:rPr lang="fr-FR" sz="4400" dirty="0" smtClean="0"/>
-              <a:t>Actions : carte +2</a:t>
+              <a:t>7 actions</a:t>
             </a:r>
             <a:endParaRPr lang="fr-FR" sz="4400" dirty="0"/>
           </a:p>
@@ -5275,8 +5275,8 @@
         </p:nvSpPr>
         <p:spPr>
           <a:xfrm>
-            <a:off x="4572000" y="5877272"/>
-            <a:ext cx="4464496" cy="648072"/>
+            <a:off x="4067944" y="5877272"/>
+            <a:ext cx="4968552" cy="648072"/>
           </a:xfrm>
           <a:prstGeom prst="rect">
             <a:avLst/>
@@ -5304,10 +5304,14 @@
           </a:lstStyle>
           <a:p>
             <a:r>
-              <a:rPr lang="fr-FR" dirty="0" smtClean="0"/>
-              <a:t>Vol 1 carte</a:t>
-            </a:r>
-            <a:endParaRPr lang="fr-FR" dirty="0"/>
+              <a:rPr lang="fr-FR" sz="5400" dirty="0" smtClean="0"/>
+              <a:t>Vol 1 </a:t>
+            </a:r>
+            <a:r>
+              <a:rPr lang="fr-FR" sz="5400" dirty="0" smtClean="0"/>
+              <a:t>carte posé</a:t>
+            </a:r>
+            <a:endParaRPr lang="fr-FR" sz="5400" dirty="0"/>
           </a:p>
         </p:txBody>
       </p:sp>
@@ -5561,7 +5565,7 @@
           <a:p>
             <a:r>
               <a:rPr lang="fr-FR" sz="4400" dirty="0" smtClean="0"/>
-              <a:t>Actions : carte +2</a:t>
+              <a:t>7 actions</a:t>
             </a:r>
             <a:endParaRPr lang="fr-FR" sz="4400" dirty="0"/>
           </a:p>
@@ -5577,8 +5581,8 @@
         </p:nvSpPr>
         <p:spPr>
           <a:xfrm>
-            <a:off x="4572000" y="5877272"/>
-            <a:ext cx="4464496" cy="648072"/>
+            <a:off x="4067944" y="5877272"/>
+            <a:ext cx="4968552" cy="648072"/>
           </a:xfrm>
           <a:prstGeom prst="rect">
             <a:avLst/>
@@ -5606,17 +5610,21 @@
           </a:lstStyle>
           <a:p>
             <a:r>
-              <a:rPr lang="fr-FR" dirty="0" smtClean="0"/>
-              <a:t>Vol 1 carte</a:t>
-            </a:r>
-            <a:endParaRPr lang="fr-FR" dirty="0"/>
+              <a:rPr lang="fr-FR" sz="5400" dirty="0" smtClean="0"/>
+              <a:t>Vol 1 </a:t>
+            </a:r>
+            <a:r>
+              <a:rPr lang="fr-FR" sz="5400" dirty="0" smtClean="0"/>
+              <a:t>carte posé</a:t>
+            </a:r>
+            <a:endParaRPr lang="fr-FR" sz="5400" dirty="0"/>
           </a:p>
         </p:txBody>
       </p:sp>
     </p:spTree>
     <p:extLst>
       <p:ext uri="{BB962C8B-B14F-4D97-AF65-F5344CB8AC3E}">
-        <p14:creationId xmlns:p14="http://schemas.microsoft.com/office/powerpoint/2010/main" val="3769217903"/>
+        <p14:creationId xmlns:p14="http://schemas.microsoft.com/office/powerpoint/2010/main" val="2169526927"/>
       </p:ext>
     </p:extLst>
   </p:cSld>
@@ -5863,7 +5871,7 @@
           <a:p>
             <a:r>
               <a:rPr lang="fr-FR" sz="4400" dirty="0" smtClean="0"/>
-              <a:t>Actions : carte +2</a:t>
+              <a:t>7 actions</a:t>
             </a:r>
             <a:endParaRPr lang="fr-FR" sz="4400" dirty="0"/>
           </a:p>
@@ -5879,8 +5887,8 @@
         </p:nvSpPr>
         <p:spPr>
           <a:xfrm>
-            <a:off x="4572000" y="5877272"/>
-            <a:ext cx="4464496" cy="648072"/>
+            <a:off x="4067944" y="5877272"/>
+            <a:ext cx="4968552" cy="648072"/>
           </a:xfrm>
           <a:prstGeom prst="rect">
             <a:avLst/>
@@ -5908,17 +5916,21 @@
           </a:lstStyle>
           <a:p>
             <a:r>
-              <a:rPr lang="fr-FR" dirty="0" smtClean="0"/>
-              <a:t>Vol 1 carte</a:t>
-            </a:r>
-            <a:endParaRPr lang="fr-FR" dirty="0"/>
+              <a:rPr lang="fr-FR" sz="5400" dirty="0" smtClean="0"/>
+              <a:t>Vol 1 </a:t>
+            </a:r>
+            <a:r>
+              <a:rPr lang="fr-FR" sz="5400" dirty="0" smtClean="0"/>
+              <a:t>carte posé</a:t>
+            </a:r>
+            <a:endParaRPr lang="fr-FR" sz="5400" dirty="0"/>
           </a:p>
         </p:txBody>
       </p:sp>
     </p:spTree>
     <p:extLst>
       <p:ext uri="{BB962C8B-B14F-4D97-AF65-F5344CB8AC3E}">
-        <p14:creationId xmlns:p14="http://schemas.microsoft.com/office/powerpoint/2010/main" val="3769217903"/>
+        <p14:creationId xmlns:p14="http://schemas.microsoft.com/office/powerpoint/2010/main" val="2169526927"/>
       </p:ext>
     </p:extLst>
   </p:cSld>
@@ -6165,7 +6177,7 @@
           <a:p>
             <a:r>
               <a:rPr lang="fr-FR" sz="4400" dirty="0" smtClean="0"/>
-              <a:t>Actions : carte +2</a:t>
+              <a:t>7 actions</a:t>
             </a:r>
             <a:endParaRPr lang="fr-FR" sz="4400" dirty="0"/>
           </a:p>
@@ -6181,8 +6193,8 @@
         </p:nvSpPr>
         <p:spPr>
           <a:xfrm>
-            <a:off x="4572000" y="5877272"/>
-            <a:ext cx="4464496" cy="648072"/>
+            <a:off x="4067944" y="5877272"/>
+            <a:ext cx="4968552" cy="648072"/>
           </a:xfrm>
           <a:prstGeom prst="rect">
             <a:avLst/>
@@ -6210,17 +6222,21 @@
           </a:lstStyle>
           <a:p>
             <a:r>
-              <a:rPr lang="fr-FR" dirty="0" smtClean="0"/>
-              <a:t>Vol 1 carte</a:t>
-            </a:r>
-            <a:endParaRPr lang="fr-FR" dirty="0"/>
+              <a:rPr lang="fr-FR" sz="5400" dirty="0" smtClean="0"/>
+              <a:t>Vol 1 </a:t>
+            </a:r>
+            <a:r>
+              <a:rPr lang="fr-FR" sz="5400" dirty="0" smtClean="0"/>
+              <a:t>carte posé</a:t>
+            </a:r>
+            <a:endParaRPr lang="fr-FR" sz="5400" dirty="0"/>
           </a:p>
         </p:txBody>
       </p:sp>
     </p:spTree>
     <p:extLst>
       <p:ext uri="{BB962C8B-B14F-4D97-AF65-F5344CB8AC3E}">
-        <p14:creationId xmlns:p14="http://schemas.microsoft.com/office/powerpoint/2010/main" val="1868491526"/>
+        <p14:creationId xmlns:p14="http://schemas.microsoft.com/office/powerpoint/2010/main" val="2169526927"/>
       </p:ext>
     </p:extLst>
   </p:cSld>
@@ -13668,11 +13684,7 @@
             </a:r>
             <a:r>
               <a:rPr lang="fr-FR" dirty="0" smtClean="0"/>
-              <a:t> </a:t>
-            </a:r>
-            <a:r>
-              <a:rPr lang="fr-FR" dirty="0" smtClean="0"/>
-              <a:t>Actions</a:t>
+              <a:t> Actions</a:t>
             </a:r>
             <a:endParaRPr lang="fr-FR" dirty="0"/>
           </a:p>
@@ -13970,11 +13982,7 @@
             </a:r>
             <a:r>
               <a:rPr lang="fr-FR" dirty="0" smtClean="0"/>
-              <a:t> </a:t>
-            </a:r>
-            <a:r>
-              <a:rPr lang="fr-FR" dirty="0" smtClean="0"/>
-              <a:t>Actions</a:t>
+              <a:t> Actions</a:t>
             </a:r>
             <a:endParaRPr lang="fr-FR" dirty="0"/>
           </a:p>
@@ -14817,11 +14825,7 @@
             </a:r>
             <a:r>
               <a:rPr lang="fr-FR" dirty="0" smtClean="0"/>
-              <a:t> </a:t>
-            </a:r>
-            <a:r>
-              <a:rPr lang="fr-FR" dirty="0" smtClean="0"/>
-              <a:t>Actions</a:t>
+              <a:t> Actions</a:t>
             </a:r>
             <a:endParaRPr lang="fr-FR" dirty="0"/>
           </a:p>
@@ -15122,11 +15126,7 @@
             </a:r>
             <a:r>
               <a:rPr lang="fr-FR" dirty="0" smtClean="0"/>
-              <a:t> </a:t>
-            </a:r>
-            <a:r>
-              <a:rPr lang="fr-FR" dirty="0" smtClean="0"/>
-              <a:t>Actions</a:t>
+              <a:t> Actions</a:t>
             </a:r>
             <a:endParaRPr lang="fr-FR" dirty="0"/>
           </a:p>
